--- a/22-2학기 수업/인공지능_데이터 마이닝/모델.pptx
+++ b/22-2학기 수업/인공지능_데이터 마이닝/모델.pptx
@@ -6,6 +6,7 @@
   </p:sldMasterIdLst>
   <p:sldIdLst>
     <p:sldId id="256" r:id="rId2"/>
+    <p:sldId id="257" r:id="rId3"/>
   </p:sldIdLst>
   <p:sldSz cx="12192000" cy="6858000"/>
   <p:notesSz cx="6858000" cy="9144000"/>
@@ -104,6 +105,11 @@
       </a:defRPr>
     </a:lvl9pPr>
   </p:defaultTextStyle>
+  <p:extLst>
+    <p:ext uri="{EFAFB233-063F-42B5-8137-9DF3F51BA10A}">
+      <p15:sldGuideLst xmlns:p15="http://schemas.microsoft.com/office/powerpoint/2012/main"/>
+    </p:ext>
+  </p:extLst>
 </p:presentation>
 </file>
 
@@ -254,7 +260,7 @@
           <a:p>
             <a:fld id="{3DC75FB1-EC70-4F20-9DE6-4EFF0004D82C}" type="datetimeFigureOut">
               <a:rPr lang="ko-KR" altLang="en-US" smtClean="0"/>
-              <a:t>2022-10-12</a:t>
+              <a:t>2022-12-12</a:t>
             </a:fld>
             <a:endParaRPr lang="ko-KR" altLang="en-US"/>
           </a:p>
@@ -452,7 +458,7 @@
           <a:p>
             <a:fld id="{3DC75FB1-EC70-4F20-9DE6-4EFF0004D82C}" type="datetimeFigureOut">
               <a:rPr lang="ko-KR" altLang="en-US" smtClean="0"/>
-              <a:t>2022-10-12</a:t>
+              <a:t>2022-12-12</a:t>
             </a:fld>
             <a:endParaRPr lang="ko-KR" altLang="en-US"/>
           </a:p>
@@ -660,7 +666,7 @@
           <a:p>
             <a:fld id="{3DC75FB1-EC70-4F20-9DE6-4EFF0004D82C}" type="datetimeFigureOut">
               <a:rPr lang="ko-KR" altLang="en-US" smtClean="0"/>
-              <a:t>2022-10-12</a:t>
+              <a:t>2022-12-12</a:t>
             </a:fld>
             <a:endParaRPr lang="ko-KR" altLang="en-US"/>
           </a:p>
@@ -858,7 +864,7 @@
           <a:p>
             <a:fld id="{3DC75FB1-EC70-4F20-9DE6-4EFF0004D82C}" type="datetimeFigureOut">
               <a:rPr lang="ko-KR" altLang="en-US" smtClean="0"/>
-              <a:t>2022-10-12</a:t>
+              <a:t>2022-12-12</a:t>
             </a:fld>
             <a:endParaRPr lang="ko-KR" altLang="en-US"/>
           </a:p>
@@ -1133,7 +1139,7 @@
           <a:p>
             <a:fld id="{3DC75FB1-EC70-4F20-9DE6-4EFF0004D82C}" type="datetimeFigureOut">
               <a:rPr lang="ko-KR" altLang="en-US" smtClean="0"/>
-              <a:t>2022-10-12</a:t>
+              <a:t>2022-12-12</a:t>
             </a:fld>
             <a:endParaRPr lang="ko-KR" altLang="en-US"/>
           </a:p>
@@ -1398,7 +1404,7 @@
           <a:p>
             <a:fld id="{3DC75FB1-EC70-4F20-9DE6-4EFF0004D82C}" type="datetimeFigureOut">
               <a:rPr lang="ko-KR" altLang="en-US" smtClean="0"/>
-              <a:t>2022-10-12</a:t>
+              <a:t>2022-12-12</a:t>
             </a:fld>
             <a:endParaRPr lang="ko-KR" altLang="en-US"/>
           </a:p>
@@ -1810,7 +1816,7 @@
           <a:p>
             <a:fld id="{3DC75FB1-EC70-4F20-9DE6-4EFF0004D82C}" type="datetimeFigureOut">
               <a:rPr lang="ko-KR" altLang="en-US" smtClean="0"/>
-              <a:t>2022-10-12</a:t>
+              <a:t>2022-12-12</a:t>
             </a:fld>
             <a:endParaRPr lang="ko-KR" altLang="en-US"/>
           </a:p>
@@ -1951,7 +1957,7 @@
           <a:p>
             <a:fld id="{3DC75FB1-EC70-4F20-9DE6-4EFF0004D82C}" type="datetimeFigureOut">
               <a:rPr lang="ko-KR" altLang="en-US" smtClean="0"/>
-              <a:t>2022-10-12</a:t>
+              <a:t>2022-12-12</a:t>
             </a:fld>
             <a:endParaRPr lang="ko-KR" altLang="en-US"/>
           </a:p>
@@ -2064,7 +2070,7 @@
           <a:p>
             <a:fld id="{3DC75FB1-EC70-4F20-9DE6-4EFF0004D82C}" type="datetimeFigureOut">
               <a:rPr lang="ko-KR" altLang="en-US" smtClean="0"/>
-              <a:t>2022-10-12</a:t>
+              <a:t>2022-12-12</a:t>
             </a:fld>
             <a:endParaRPr lang="ko-KR" altLang="en-US"/>
           </a:p>
@@ -2375,7 +2381,7 @@
           <a:p>
             <a:fld id="{3DC75FB1-EC70-4F20-9DE6-4EFF0004D82C}" type="datetimeFigureOut">
               <a:rPr lang="ko-KR" altLang="en-US" smtClean="0"/>
-              <a:t>2022-10-12</a:t>
+              <a:t>2022-12-12</a:t>
             </a:fld>
             <a:endParaRPr lang="ko-KR" altLang="en-US"/>
           </a:p>
@@ -2663,7 +2669,7 @@
           <a:p>
             <a:fld id="{3DC75FB1-EC70-4F20-9DE6-4EFF0004D82C}" type="datetimeFigureOut">
               <a:rPr lang="ko-KR" altLang="en-US" smtClean="0"/>
-              <a:t>2022-10-12</a:t>
+              <a:t>2022-12-12</a:t>
             </a:fld>
             <a:endParaRPr lang="ko-KR" altLang="en-US"/>
           </a:p>
@@ -2904,7 +2910,7 @@
           <a:p>
             <a:fld id="{3DC75FB1-EC70-4F20-9DE6-4EFF0004D82C}" type="datetimeFigureOut">
               <a:rPr lang="ko-KR" altLang="en-US" smtClean="0"/>
-              <a:t>2022-10-12</a:t>
+              <a:t>2022-12-12</a:t>
             </a:fld>
             <a:endParaRPr lang="ko-KR" altLang="en-US"/>
           </a:p>
@@ -3321,8 +3327,8 @@
           <a:chExt cx="0" cy="0"/>
         </a:xfrm>
       </p:grpSpPr>
-      <mc:AlternateContent xmlns:mc="http://schemas.openxmlformats.org/markup-compatibility/2006">
-        <mc:Choice xmlns:a14="http://schemas.microsoft.com/office/drawing/2010/main" Requires="a14">
+      <mc:AlternateContent xmlns:mc="http://schemas.openxmlformats.org/markup-compatibility/2006" xmlns:a14="http://schemas.microsoft.com/office/drawing/2010/main">
+        <mc:Choice Requires="a14">
           <p:sp>
             <p:nvSpPr>
               <p:cNvPr id="4" name="원통형 3">
@@ -3413,7 +3419,7 @@
             </p:txBody>
           </p:sp>
         </mc:Choice>
-        <mc:Fallback>
+        <mc:Fallback xmlns="">
           <p:sp>
             <p:nvSpPr>
               <p:cNvPr id="4" name="원통형 3">
@@ -3463,8 +3469,8 @@
           </p:sp>
         </mc:Fallback>
       </mc:AlternateContent>
-      <mc:AlternateContent xmlns:mc="http://schemas.openxmlformats.org/markup-compatibility/2006">
-        <mc:Choice xmlns:a14="http://schemas.microsoft.com/office/drawing/2010/main" Requires="a14">
+      <mc:AlternateContent xmlns:mc="http://schemas.openxmlformats.org/markup-compatibility/2006" xmlns:a14="http://schemas.microsoft.com/office/drawing/2010/main">
+        <mc:Choice Requires="a14">
           <p:sp>
             <p:nvSpPr>
               <p:cNvPr id="5" name="원통형 4">
@@ -3563,7 +3569,7 @@
             </p:txBody>
           </p:sp>
         </mc:Choice>
-        <mc:Fallback>
+        <mc:Fallback xmlns="">
           <p:sp>
             <p:nvSpPr>
               <p:cNvPr id="5" name="원통형 4">
@@ -3760,8 +3766,8 @@
           </a:p>
         </p:txBody>
       </p:sp>
-      <mc:AlternateContent xmlns:mc="http://schemas.openxmlformats.org/markup-compatibility/2006">
-        <mc:Choice xmlns:a14="http://schemas.microsoft.com/office/drawing/2010/main" Requires="a14">
+      <mc:AlternateContent xmlns:mc="http://schemas.openxmlformats.org/markup-compatibility/2006" xmlns:a14="http://schemas.microsoft.com/office/drawing/2010/main">
+        <mc:Choice Requires="a14">
           <p:sp>
             <p:nvSpPr>
               <p:cNvPr id="10" name="원통형 9">
@@ -3835,7 +3841,7 @@
             </p:txBody>
           </p:sp>
         </mc:Choice>
-        <mc:Fallback>
+        <mc:Fallback xmlns="">
           <p:sp>
             <p:nvSpPr>
               <p:cNvPr id="10" name="원통형 9">
@@ -4672,6 +4678,3592 @@
     <p:extLst>
       <p:ext uri="{BB962C8B-B14F-4D97-AF65-F5344CB8AC3E}">
         <p14:creationId xmlns:p14="http://schemas.microsoft.com/office/powerpoint/2010/main" val="3088711780"/>
+      </p:ext>
+    </p:extLst>
+  </p:cSld>
+  <p:clrMapOvr>
+    <a:masterClrMapping/>
+  </p:clrMapOvr>
+</p:sld>
+</file>
+
+<file path=ppt/slides/slide2.xml><?xml version="1.0" encoding="utf-8"?>
+<p:sld xmlns:a="http://schemas.openxmlformats.org/drawingml/2006/main" xmlns:r="http://schemas.openxmlformats.org/officeDocument/2006/relationships" xmlns:p="http://schemas.openxmlformats.org/presentationml/2006/main">
+  <p:cSld>
+    <p:spTree>
+      <p:nvGrpSpPr>
+        <p:cNvPr id="1" name=""/>
+        <p:cNvGrpSpPr/>
+        <p:nvPr/>
+      </p:nvGrpSpPr>
+      <p:grpSpPr>
+        <a:xfrm>
+          <a:off x="0" y="0"/>
+          <a:ext cx="0" cy="0"/>
+          <a:chOff x="0" y="0"/>
+          <a:chExt cx="0" cy="0"/>
+        </a:xfrm>
+      </p:grpSpPr>
+      <p:sp>
+        <p:nvSpPr>
+          <p:cNvPr id="181" name="사각형: 둥근 모서리 180">
+            <a:extLst>
+              <a:ext uri="{FF2B5EF4-FFF2-40B4-BE49-F238E27FC236}">
+                <a16:creationId xmlns:a16="http://schemas.microsoft.com/office/drawing/2014/main" id="{4334E250-A25C-FCC8-9B80-344C87F91151}"/>
+              </a:ext>
+            </a:extLst>
+          </p:cNvPr>
+          <p:cNvSpPr/>
+          <p:nvPr/>
+        </p:nvSpPr>
+        <p:spPr>
+          <a:xfrm>
+            <a:off x="59311" y="3857341"/>
+            <a:ext cx="11835540" cy="2788142"/>
+          </a:xfrm>
+          <a:prstGeom prst="roundRect">
+            <a:avLst>
+              <a:gd name="adj" fmla="val 5634"/>
+            </a:avLst>
+          </a:prstGeom>
+          <a:solidFill>
+            <a:schemeClr val="accent2">
+              <a:alpha val="20000"/>
+            </a:schemeClr>
+          </a:solidFill>
+          <a:ln>
+            <a:solidFill>
+              <a:schemeClr val="tx1">
+                <a:alpha val="20000"/>
+              </a:schemeClr>
+            </a:solidFill>
+          </a:ln>
+        </p:spPr>
+        <p:style>
+          <a:lnRef idx="2">
+            <a:schemeClr val="accent1">
+              <a:shade val="50000"/>
+            </a:schemeClr>
+          </a:lnRef>
+          <a:fillRef idx="1">
+            <a:schemeClr val="accent1"/>
+          </a:fillRef>
+          <a:effectRef idx="0">
+            <a:schemeClr val="accent1"/>
+          </a:effectRef>
+          <a:fontRef idx="minor">
+            <a:schemeClr val="lt1"/>
+          </a:fontRef>
+        </p:style>
+        <p:txBody>
+          <a:bodyPr rtlCol="0" anchor="ctr"/>
+          <a:lstStyle/>
+          <a:p>
+            <a:pPr algn="ctr"/>
+            <a:endParaRPr lang="ko-KR" altLang="en-US"/>
+          </a:p>
+        </p:txBody>
+      </p:sp>
+      <mc:AlternateContent xmlns:mc="http://schemas.openxmlformats.org/markup-compatibility/2006">
+        <mc:Choice xmlns:a14="http://schemas.microsoft.com/office/drawing/2010/main" Requires="a14">
+          <p:sp>
+            <p:nvSpPr>
+              <p:cNvPr id="4" name="원통형 3">
+                <a:extLst>
+                  <a:ext uri="{FF2B5EF4-FFF2-40B4-BE49-F238E27FC236}">
+                    <a16:creationId xmlns:a16="http://schemas.microsoft.com/office/drawing/2014/main" id="{1E14C277-BD5F-40AE-BB9B-F81C77A04EFD}"/>
+                  </a:ext>
+                </a:extLst>
+              </p:cNvPr>
+              <p:cNvSpPr/>
+              <p:nvPr/>
+            </p:nvSpPr>
+            <p:spPr>
+              <a:xfrm>
+                <a:off x="118334" y="791494"/>
+                <a:ext cx="1771342" cy="1756188"/>
+              </a:xfrm>
+              <a:prstGeom prst="can">
+                <a:avLst/>
+              </a:prstGeom>
+              <a:solidFill>
+                <a:schemeClr val="bg1">
+                  <a:lumMod val="95000"/>
+                </a:schemeClr>
+              </a:solidFill>
+              <a:ln>
+                <a:solidFill>
+                  <a:schemeClr val="tx1"/>
+                </a:solidFill>
+              </a:ln>
+            </p:spPr>
+            <p:style>
+              <a:lnRef idx="2">
+                <a:schemeClr val="accent1">
+                  <a:shade val="50000"/>
+                </a:schemeClr>
+              </a:lnRef>
+              <a:fillRef idx="1">
+                <a:schemeClr val="accent1"/>
+              </a:fillRef>
+              <a:effectRef idx="0">
+                <a:schemeClr val="accent1"/>
+              </a:effectRef>
+              <a:fontRef idx="minor">
+                <a:schemeClr val="lt1"/>
+              </a:fontRef>
+            </p:style>
+            <p:txBody>
+              <a:bodyPr rtlCol="0" anchor="ctr"/>
+              <a:lstStyle/>
+              <a:p>
+                <a:pPr algn="ctr"/>
+                <a:r>
+                  <a:rPr lang="en-US" altLang="ko-KR" dirty="0">
+                    <a:solidFill>
+                      <a:sysClr val="windowText" lastClr="000000"/>
+                    </a:solidFill>
+                  </a:rPr>
+                  <a:t>Unlabeled pool</a:t>
+                </a:r>
+              </a:p>
+              <a:p>
+                <a:pPr algn="ctr"/>
+                <a14:m>
+                  <m:oMathPara xmlns:m="http://schemas.openxmlformats.org/officeDocument/2006/math">
+                    <m:oMathParaPr>
+                      <m:jc m:val="centerGroup"/>
+                    </m:oMathParaPr>
+                    <m:oMath xmlns:m="http://schemas.openxmlformats.org/officeDocument/2006/math">
+                      <m:r>
+                        <a:rPr lang="en-US" altLang="ko-KR" b="0" i="1" smtClean="0">
+                          <a:solidFill>
+                            <a:sysClr val="windowText" lastClr="000000"/>
+                          </a:solidFill>
+                          <a:latin typeface="Cambria Math" panose="02040503050406030204" pitchFamily="18" charset="0"/>
+                        </a:rPr>
+                        <m:t>𝑈</m:t>
+                      </m:r>
+                    </m:oMath>
+                  </m:oMathPara>
+                </a14:m>
+                <a:endParaRPr lang="en-US" altLang="ko-KR" dirty="0">
+                  <a:solidFill>
+                    <a:sysClr val="windowText" lastClr="000000"/>
+                  </a:solidFill>
+                </a:endParaRPr>
+              </a:p>
+            </p:txBody>
+          </p:sp>
+        </mc:Choice>
+        <mc:Fallback>
+          <p:sp>
+            <p:nvSpPr>
+              <p:cNvPr id="4" name="원통형 3">
+                <a:extLst>
+                  <a:ext uri="{FF2B5EF4-FFF2-40B4-BE49-F238E27FC236}">
+                    <a16:creationId xmlns:a16="http://schemas.microsoft.com/office/drawing/2014/main" id="{1E14C277-BD5F-40AE-BB9B-F81C77A04EFD}"/>
+                  </a:ext>
+                </a:extLst>
+              </p:cNvPr>
+              <p:cNvSpPr>
+                <a:spLocks noRot="1" noChangeAspect="1" noMove="1" noResize="1" noEditPoints="1" noAdjustHandles="1" noChangeArrowheads="1" noChangeShapeType="1" noTextEdit="1"/>
+              </p:cNvSpPr>
+              <p:nvPr/>
+            </p:nvSpPr>
+            <p:spPr>
+              <a:xfrm>
+                <a:off x="118334" y="791494"/>
+                <a:ext cx="1771342" cy="1756188"/>
+              </a:xfrm>
+              <a:prstGeom prst="can">
+                <a:avLst/>
+              </a:prstGeom>
+              <a:blipFill>
+                <a:blip r:embed="rId2"/>
+                <a:stretch>
+                  <a:fillRect l="-2389" r="-2389"/>
+                </a:stretch>
+              </a:blipFill>
+              <a:ln>
+                <a:solidFill>
+                  <a:schemeClr val="tx1"/>
+                </a:solidFill>
+              </a:ln>
+            </p:spPr>
+            <p:txBody>
+              <a:bodyPr/>
+              <a:lstStyle/>
+              <a:p>
+                <a:r>
+                  <a:rPr lang="ko-KR" altLang="en-US">
+                    <a:noFill/>
+                  </a:rPr>
+                  <a:t> </a:t>
+                </a:r>
+              </a:p>
+            </p:txBody>
+          </p:sp>
+        </mc:Fallback>
+      </mc:AlternateContent>
+      <p:sp>
+        <p:nvSpPr>
+          <p:cNvPr id="63" name="사각형: 둥근 모서리 62">
+            <a:extLst>
+              <a:ext uri="{FF2B5EF4-FFF2-40B4-BE49-F238E27FC236}">
+                <a16:creationId xmlns:a16="http://schemas.microsoft.com/office/drawing/2014/main" id="{6DAD71E7-6059-9789-DEAE-B6BA4C244942}"/>
+              </a:ext>
+            </a:extLst>
+          </p:cNvPr>
+          <p:cNvSpPr/>
+          <p:nvPr/>
+        </p:nvSpPr>
+        <p:spPr>
+          <a:xfrm>
+            <a:off x="70711" y="128449"/>
+            <a:ext cx="11911740" cy="3101117"/>
+          </a:xfrm>
+          <a:prstGeom prst="roundRect">
+            <a:avLst>
+              <a:gd name="adj" fmla="val 7924"/>
+            </a:avLst>
+          </a:prstGeom>
+          <a:solidFill>
+            <a:schemeClr val="accent5">
+              <a:alpha val="20000"/>
+            </a:schemeClr>
+          </a:solidFill>
+        </p:spPr>
+        <p:style>
+          <a:lnRef idx="2">
+            <a:schemeClr val="accent1">
+              <a:shade val="50000"/>
+            </a:schemeClr>
+          </a:lnRef>
+          <a:fillRef idx="1">
+            <a:schemeClr val="accent1"/>
+          </a:fillRef>
+          <a:effectRef idx="0">
+            <a:schemeClr val="accent1"/>
+          </a:effectRef>
+          <a:fontRef idx="minor">
+            <a:schemeClr val="lt1"/>
+          </a:fontRef>
+        </p:style>
+        <p:txBody>
+          <a:bodyPr rtlCol="0" anchor="ctr"/>
+          <a:lstStyle/>
+          <a:p>
+            <a:pPr algn="ctr"/>
+            <a:endParaRPr lang="ko-KR" altLang="en-US"/>
+          </a:p>
+        </p:txBody>
+      </p:sp>
+      <p:grpSp>
+        <p:nvGrpSpPr>
+          <p:cNvPr id="44" name="그룹 43">
+            <a:extLst>
+              <a:ext uri="{FF2B5EF4-FFF2-40B4-BE49-F238E27FC236}">
+                <a16:creationId xmlns:a16="http://schemas.microsoft.com/office/drawing/2014/main" id="{BE7D6E11-B609-4E55-EAC1-122EAEF63087}"/>
+              </a:ext>
+            </a:extLst>
+          </p:cNvPr>
+          <p:cNvGrpSpPr/>
+          <p:nvPr/>
+        </p:nvGrpSpPr>
+        <p:grpSpPr>
+          <a:xfrm>
+            <a:off x="3562951" y="606531"/>
+            <a:ext cx="1509887" cy="2235646"/>
+            <a:chOff x="3345982" y="2028205"/>
+            <a:chExt cx="1540042" cy="2280295"/>
+          </a:xfrm>
+        </p:grpSpPr>
+        <p:sp>
+          <p:nvSpPr>
+            <p:cNvPr id="41" name="사각형: 둥근 모서리 40">
+              <a:extLst>
+                <a:ext uri="{FF2B5EF4-FFF2-40B4-BE49-F238E27FC236}">
+                  <a16:creationId xmlns:a16="http://schemas.microsoft.com/office/drawing/2014/main" id="{31FAC837-30EA-629A-16C9-810F5DDB11AB}"/>
+                </a:ext>
+              </a:extLst>
+            </p:cNvPr>
+            <p:cNvSpPr/>
+            <p:nvPr/>
+          </p:nvSpPr>
+          <p:spPr>
+            <a:xfrm>
+              <a:off x="3345982" y="2028205"/>
+              <a:ext cx="1540042" cy="2280295"/>
+            </a:xfrm>
+            <a:prstGeom prst="roundRect">
+              <a:avLst/>
+            </a:prstGeom>
+            <a:solidFill>
+              <a:schemeClr val="accent1">
+                <a:alpha val="30000"/>
+              </a:schemeClr>
+            </a:solidFill>
+          </p:spPr>
+          <p:style>
+            <a:lnRef idx="2">
+              <a:schemeClr val="accent1">
+                <a:shade val="50000"/>
+              </a:schemeClr>
+            </a:lnRef>
+            <a:fillRef idx="1">
+              <a:schemeClr val="accent1"/>
+            </a:fillRef>
+            <a:effectRef idx="0">
+              <a:schemeClr val="accent1"/>
+            </a:effectRef>
+            <a:fontRef idx="minor">
+              <a:schemeClr val="lt1"/>
+            </a:fontRef>
+          </p:style>
+          <p:txBody>
+            <a:bodyPr rtlCol="0" anchor="ctr"/>
+            <a:lstStyle/>
+            <a:p>
+              <a:pPr algn="ctr"/>
+              <a:endParaRPr lang="ko-KR" altLang="en-US"/>
+            </a:p>
+          </p:txBody>
+        </p:sp>
+        <mc:AlternateContent xmlns:mc="http://schemas.openxmlformats.org/markup-compatibility/2006">
+          <mc:Choice xmlns:a14="http://schemas.microsoft.com/office/drawing/2010/main" Requires="a14">
+            <p:sp>
+              <p:nvSpPr>
+                <p:cNvPr id="5" name="원통형 4">
+                  <a:extLst>
+                    <a:ext uri="{FF2B5EF4-FFF2-40B4-BE49-F238E27FC236}">
+                      <a16:creationId xmlns:a16="http://schemas.microsoft.com/office/drawing/2014/main" id="{9BE90EE7-E6B0-4A47-AC7B-A897ED123A91}"/>
+                    </a:ext>
+                  </a:extLst>
+                </p:cNvPr>
+                <p:cNvSpPr/>
+                <p:nvPr/>
+              </p:nvSpPr>
+              <p:spPr>
+                <a:xfrm>
+                  <a:off x="3509186" y="2176625"/>
+                  <a:ext cx="1207192" cy="385011"/>
+                </a:xfrm>
+                <a:prstGeom prst="can">
+                  <a:avLst/>
+                </a:prstGeom>
+                <a:solidFill>
+                  <a:schemeClr val="accent1">
+                    <a:lumMod val="60000"/>
+                    <a:lumOff val="40000"/>
+                  </a:schemeClr>
+                </a:solidFill>
+                <a:ln>
+                  <a:solidFill>
+                    <a:schemeClr val="tx1"/>
+                  </a:solidFill>
+                </a:ln>
+              </p:spPr>
+              <p:style>
+                <a:lnRef idx="2">
+                  <a:schemeClr val="accent1">
+                    <a:shade val="50000"/>
+                  </a:schemeClr>
+                </a:lnRef>
+                <a:fillRef idx="1">
+                  <a:schemeClr val="accent1"/>
+                </a:fillRef>
+                <a:effectRef idx="0">
+                  <a:schemeClr val="accent1"/>
+                </a:effectRef>
+                <a:fontRef idx="minor">
+                  <a:schemeClr val="lt1"/>
+                </a:fontRef>
+              </p:style>
+              <p:txBody>
+                <a:bodyPr rtlCol="0" anchor="ctr"/>
+                <a:lstStyle/>
+                <a:p>
+                  <a:pPr algn="ctr"/>
+                  <a14:m>
+                    <m:oMath xmlns:m="http://schemas.openxmlformats.org/officeDocument/2006/math">
+                      <m:sSup>
+                        <m:sSupPr>
+                          <m:ctrlPr>
+                            <a:rPr lang="en-US" altLang="ko-KR" b="0" i="1" dirty="0" smtClean="0">
+                              <a:solidFill>
+                                <a:schemeClr val="tx1"/>
+                              </a:solidFill>
+                              <a:latin typeface="Cambria Math" panose="02040503050406030204" pitchFamily="18" charset="0"/>
+                            </a:rPr>
+                          </m:ctrlPr>
+                        </m:sSupPr>
+                        <m:e>
+                          <m:r>
+                            <a:rPr lang="en-US" altLang="ko-KR" b="0" i="1" dirty="0" smtClean="0">
+                              <a:solidFill>
+                                <a:schemeClr val="tx1"/>
+                              </a:solidFill>
+                              <a:latin typeface="Cambria Math" panose="02040503050406030204" pitchFamily="18" charset="0"/>
+                            </a:rPr>
+                            <m:t>|</m:t>
+                          </m:r>
+                          <m:r>
+                            <a:rPr lang="en-US" altLang="ko-KR" b="0" i="1" dirty="0" smtClean="0">
+                              <a:solidFill>
+                                <a:schemeClr val="tx1"/>
+                              </a:solidFill>
+                              <a:latin typeface="Cambria Math" panose="02040503050406030204" pitchFamily="18" charset="0"/>
+                            </a:rPr>
+                            <m:t>𝑆</m:t>
+                          </m:r>
+                        </m:e>
+                        <m:sup>
+                          <m:r>
+                            <a:rPr lang="en-US" altLang="ko-KR" b="0" i="1" dirty="0" smtClean="0">
+                              <a:solidFill>
+                                <a:schemeClr val="tx1"/>
+                              </a:solidFill>
+                              <a:latin typeface="Cambria Math" panose="02040503050406030204" pitchFamily="18" charset="0"/>
+                            </a:rPr>
+                            <m:t>1</m:t>
+                          </m:r>
+                        </m:sup>
+                      </m:sSup>
+                      <m:r>
+                        <a:rPr lang="en-US" altLang="ko-KR" b="0" i="1" dirty="0" smtClean="0">
+                          <a:solidFill>
+                            <a:schemeClr val="tx1"/>
+                          </a:solidFill>
+                          <a:latin typeface="Cambria Math" panose="02040503050406030204" pitchFamily="18" charset="0"/>
+                        </a:rPr>
+                        <m:t>|</m:t>
+                      </m:r>
+                    </m:oMath>
+                  </a14:m>
+                  <a:r>
+                    <a:rPr lang="en-US" altLang="ko-KR" dirty="0">
+                      <a:solidFill>
+                        <a:schemeClr val="tx1"/>
+                      </a:solidFill>
+                    </a:rPr>
+                    <a:t>  </a:t>
+                  </a:r>
+                  <a:endParaRPr lang="ko-KR" altLang="en-US" dirty="0">
+                    <a:solidFill>
+                      <a:schemeClr val="tx1"/>
+                    </a:solidFill>
+                  </a:endParaRPr>
+                </a:p>
+              </p:txBody>
+            </p:sp>
+          </mc:Choice>
+          <mc:Fallback>
+            <p:sp>
+              <p:nvSpPr>
+                <p:cNvPr id="5" name="원통형 4">
+                  <a:extLst>
+                    <a:ext uri="{FF2B5EF4-FFF2-40B4-BE49-F238E27FC236}">
+                      <a16:creationId xmlns:a16="http://schemas.microsoft.com/office/drawing/2014/main" id="{9BE90EE7-E6B0-4A47-AC7B-A897ED123A91}"/>
+                    </a:ext>
+                  </a:extLst>
+                </p:cNvPr>
+                <p:cNvSpPr>
+                  <a:spLocks noRot="1" noChangeAspect="1" noMove="1" noResize="1" noEditPoints="1" noAdjustHandles="1" noChangeArrowheads="1" noChangeShapeType="1" noTextEdit="1"/>
+                </p:cNvSpPr>
+                <p:nvPr/>
+              </p:nvSpPr>
+              <p:spPr>
+                <a:xfrm>
+                  <a:off x="3509186" y="2176625"/>
+                  <a:ext cx="1207192" cy="385011"/>
+                </a:xfrm>
+                <a:prstGeom prst="can">
+                  <a:avLst/>
+                </a:prstGeom>
+                <a:blipFill>
+                  <a:blip r:embed="rId3"/>
+                  <a:stretch>
+                    <a:fillRect b="-20313"/>
+                  </a:stretch>
+                </a:blipFill>
+                <a:ln>
+                  <a:solidFill>
+                    <a:schemeClr val="tx1"/>
+                  </a:solidFill>
+                </a:ln>
+              </p:spPr>
+              <p:txBody>
+                <a:bodyPr/>
+                <a:lstStyle/>
+                <a:p>
+                  <a:r>
+                    <a:rPr lang="ko-KR" altLang="en-US">
+                      <a:noFill/>
+                    </a:rPr>
+                    <a:t> </a:t>
+                  </a:r>
+                </a:p>
+              </p:txBody>
+            </p:sp>
+          </mc:Fallback>
+        </mc:AlternateContent>
+        <mc:AlternateContent xmlns:mc="http://schemas.openxmlformats.org/markup-compatibility/2006">
+          <mc:Choice xmlns:a14="http://schemas.microsoft.com/office/drawing/2010/main" Requires="a14">
+            <p:sp>
+              <p:nvSpPr>
+                <p:cNvPr id="13" name="원통형 12">
+                  <a:extLst>
+                    <a:ext uri="{FF2B5EF4-FFF2-40B4-BE49-F238E27FC236}">
+                      <a16:creationId xmlns:a16="http://schemas.microsoft.com/office/drawing/2014/main" id="{B519C57B-155B-F608-6B84-8CFCC44BE91B}"/>
+                    </a:ext>
+                  </a:extLst>
+                </p:cNvPr>
+                <p:cNvSpPr/>
+                <p:nvPr/>
+              </p:nvSpPr>
+              <p:spPr>
+                <a:xfrm>
+                  <a:off x="3515164" y="2938725"/>
+                  <a:ext cx="1207192" cy="385011"/>
+                </a:xfrm>
+                <a:prstGeom prst="can">
+                  <a:avLst/>
+                </a:prstGeom>
+                <a:solidFill>
+                  <a:schemeClr val="accent1">
+                    <a:lumMod val="60000"/>
+                    <a:lumOff val="40000"/>
+                  </a:schemeClr>
+                </a:solidFill>
+                <a:ln>
+                  <a:solidFill>
+                    <a:schemeClr val="tx1"/>
+                  </a:solidFill>
+                </a:ln>
+              </p:spPr>
+              <p:style>
+                <a:lnRef idx="2">
+                  <a:schemeClr val="accent1">
+                    <a:shade val="50000"/>
+                  </a:schemeClr>
+                </a:lnRef>
+                <a:fillRef idx="1">
+                  <a:schemeClr val="accent1"/>
+                </a:fillRef>
+                <a:effectRef idx="0">
+                  <a:schemeClr val="accent1"/>
+                </a:effectRef>
+                <a:fontRef idx="minor">
+                  <a:schemeClr val="lt1"/>
+                </a:fontRef>
+              </p:style>
+              <p:txBody>
+                <a:bodyPr rtlCol="0" anchor="ctr"/>
+                <a:lstStyle/>
+                <a:p>
+                  <a:pPr algn="ctr"/>
+                  <a14:m>
+                    <m:oMath xmlns:m="http://schemas.openxmlformats.org/officeDocument/2006/math">
+                      <m:sSup>
+                        <m:sSupPr>
+                          <m:ctrlPr>
+                            <a:rPr lang="en-US" altLang="ko-KR" b="0" i="1" dirty="0" smtClean="0">
+                              <a:solidFill>
+                                <a:schemeClr val="tx1"/>
+                              </a:solidFill>
+                              <a:latin typeface="Cambria Math" panose="02040503050406030204" pitchFamily="18" charset="0"/>
+                            </a:rPr>
+                          </m:ctrlPr>
+                        </m:sSupPr>
+                        <m:e>
+                          <m:r>
+                            <a:rPr lang="en-US" altLang="ko-KR" b="0" i="1" dirty="0" smtClean="0">
+                              <a:solidFill>
+                                <a:schemeClr val="tx1"/>
+                              </a:solidFill>
+                              <a:latin typeface="Cambria Math" panose="02040503050406030204" pitchFamily="18" charset="0"/>
+                            </a:rPr>
+                            <m:t>|</m:t>
+                          </m:r>
+                          <m:r>
+                            <a:rPr lang="en-US" altLang="ko-KR" b="0" i="1" dirty="0" smtClean="0">
+                              <a:solidFill>
+                                <a:schemeClr val="tx1"/>
+                              </a:solidFill>
+                              <a:latin typeface="Cambria Math" panose="02040503050406030204" pitchFamily="18" charset="0"/>
+                            </a:rPr>
+                            <m:t>𝑆</m:t>
+                          </m:r>
+                        </m:e>
+                        <m:sup>
+                          <m:r>
+                            <a:rPr lang="en-US" altLang="ko-KR" b="0" i="1" dirty="0" smtClean="0">
+                              <a:solidFill>
+                                <a:schemeClr val="tx1"/>
+                              </a:solidFill>
+                              <a:latin typeface="Cambria Math" panose="02040503050406030204" pitchFamily="18" charset="0"/>
+                            </a:rPr>
+                            <m:t>𝑖</m:t>
+                          </m:r>
+                        </m:sup>
+                      </m:sSup>
+                      <m:r>
+                        <a:rPr lang="en-US" altLang="ko-KR" b="0" i="1" dirty="0" smtClean="0">
+                          <a:solidFill>
+                            <a:schemeClr val="tx1"/>
+                          </a:solidFill>
+                          <a:latin typeface="Cambria Math" panose="02040503050406030204" pitchFamily="18" charset="0"/>
+                        </a:rPr>
+                        <m:t>|</m:t>
+                      </m:r>
+                    </m:oMath>
+                  </a14:m>
+                  <a:r>
+                    <a:rPr lang="en-US" altLang="ko-KR" dirty="0">
+                      <a:solidFill>
+                        <a:schemeClr val="tx1"/>
+                      </a:solidFill>
+                    </a:rPr>
+                    <a:t>  </a:t>
+                  </a:r>
+                  <a:endParaRPr lang="ko-KR" altLang="en-US" dirty="0">
+                    <a:solidFill>
+                      <a:schemeClr val="tx1"/>
+                    </a:solidFill>
+                  </a:endParaRPr>
+                </a:p>
+              </p:txBody>
+            </p:sp>
+          </mc:Choice>
+          <mc:Fallback>
+            <p:sp>
+              <p:nvSpPr>
+                <p:cNvPr id="13" name="원통형 12">
+                  <a:extLst>
+                    <a:ext uri="{FF2B5EF4-FFF2-40B4-BE49-F238E27FC236}">
+                      <a16:creationId xmlns:a16="http://schemas.microsoft.com/office/drawing/2014/main" id="{B519C57B-155B-F608-6B84-8CFCC44BE91B}"/>
+                    </a:ext>
+                  </a:extLst>
+                </p:cNvPr>
+                <p:cNvSpPr>
+                  <a:spLocks noRot="1" noChangeAspect="1" noMove="1" noResize="1" noEditPoints="1" noAdjustHandles="1" noChangeArrowheads="1" noChangeShapeType="1" noTextEdit="1"/>
+                </p:cNvSpPr>
+                <p:nvPr/>
+              </p:nvSpPr>
+              <p:spPr>
+                <a:xfrm>
+                  <a:off x="3515164" y="2938725"/>
+                  <a:ext cx="1207192" cy="385011"/>
+                </a:xfrm>
+                <a:prstGeom prst="can">
+                  <a:avLst/>
+                </a:prstGeom>
+                <a:blipFill>
+                  <a:blip r:embed="rId4"/>
+                  <a:stretch>
+                    <a:fillRect b="-20313"/>
+                  </a:stretch>
+                </a:blipFill>
+                <a:ln>
+                  <a:solidFill>
+                    <a:schemeClr val="tx1"/>
+                  </a:solidFill>
+                </a:ln>
+              </p:spPr>
+              <p:txBody>
+                <a:bodyPr/>
+                <a:lstStyle/>
+                <a:p>
+                  <a:r>
+                    <a:rPr lang="ko-KR" altLang="en-US">
+                      <a:noFill/>
+                    </a:rPr>
+                    <a:t> </a:t>
+                  </a:r>
+                </a:p>
+              </p:txBody>
+            </p:sp>
+          </mc:Fallback>
+        </mc:AlternateContent>
+        <mc:AlternateContent xmlns:mc="http://schemas.openxmlformats.org/markup-compatibility/2006">
+          <mc:Choice xmlns:a14="http://schemas.microsoft.com/office/drawing/2010/main" Requires="a14">
+            <p:sp>
+              <p:nvSpPr>
+                <p:cNvPr id="16" name="원통형 15">
+                  <a:extLst>
+                    <a:ext uri="{FF2B5EF4-FFF2-40B4-BE49-F238E27FC236}">
+                      <a16:creationId xmlns:a16="http://schemas.microsoft.com/office/drawing/2014/main" id="{4BE15741-881D-5FB9-B0FB-D45125DF3209}"/>
+                    </a:ext>
+                  </a:extLst>
+                </p:cNvPr>
+                <p:cNvSpPr/>
+                <p:nvPr/>
+              </p:nvSpPr>
+              <p:spPr>
+                <a:xfrm>
+                  <a:off x="3509186" y="3678645"/>
+                  <a:ext cx="1207192" cy="385011"/>
+                </a:xfrm>
+                <a:prstGeom prst="can">
+                  <a:avLst/>
+                </a:prstGeom>
+                <a:solidFill>
+                  <a:schemeClr val="accent1">
+                    <a:lumMod val="60000"/>
+                    <a:lumOff val="40000"/>
+                  </a:schemeClr>
+                </a:solidFill>
+                <a:ln>
+                  <a:solidFill>
+                    <a:schemeClr val="tx1"/>
+                  </a:solidFill>
+                </a:ln>
+              </p:spPr>
+              <p:style>
+                <a:lnRef idx="2">
+                  <a:schemeClr val="accent1">
+                    <a:shade val="50000"/>
+                  </a:schemeClr>
+                </a:lnRef>
+                <a:fillRef idx="1">
+                  <a:schemeClr val="accent1"/>
+                </a:fillRef>
+                <a:effectRef idx="0">
+                  <a:schemeClr val="accent1"/>
+                </a:effectRef>
+                <a:fontRef idx="minor">
+                  <a:schemeClr val="lt1"/>
+                </a:fontRef>
+              </p:style>
+              <p:txBody>
+                <a:bodyPr rtlCol="0" anchor="ctr"/>
+                <a:lstStyle/>
+                <a:p>
+                  <a:pPr algn="ctr"/>
+                  <a14:m>
+                    <m:oMath xmlns:m="http://schemas.openxmlformats.org/officeDocument/2006/math">
+                      <m:sSup>
+                        <m:sSupPr>
+                          <m:ctrlPr>
+                            <a:rPr lang="en-US" altLang="ko-KR" b="0" i="1" dirty="0" smtClean="0">
+                              <a:solidFill>
+                                <a:schemeClr val="tx1"/>
+                              </a:solidFill>
+                              <a:latin typeface="Cambria Math" panose="02040503050406030204" pitchFamily="18" charset="0"/>
+                            </a:rPr>
+                          </m:ctrlPr>
+                        </m:sSupPr>
+                        <m:e>
+                          <m:r>
+                            <a:rPr lang="en-US" altLang="ko-KR" b="0" i="1" dirty="0" smtClean="0">
+                              <a:solidFill>
+                                <a:schemeClr val="tx1"/>
+                              </a:solidFill>
+                              <a:latin typeface="Cambria Math" panose="02040503050406030204" pitchFamily="18" charset="0"/>
+                            </a:rPr>
+                            <m:t>|</m:t>
+                          </m:r>
+                          <m:r>
+                            <a:rPr lang="en-US" altLang="ko-KR" b="0" i="1" dirty="0" smtClean="0">
+                              <a:solidFill>
+                                <a:schemeClr val="tx1"/>
+                              </a:solidFill>
+                              <a:latin typeface="Cambria Math" panose="02040503050406030204" pitchFamily="18" charset="0"/>
+                            </a:rPr>
+                            <m:t>𝑆</m:t>
+                          </m:r>
+                        </m:e>
+                        <m:sup>
+                          <m:r>
+                            <a:rPr lang="en-US" altLang="ko-KR" b="0" i="1" dirty="0" smtClean="0">
+                              <a:solidFill>
+                                <a:schemeClr val="tx1"/>
+                              </a:solidFill>
+                              <a:latin typeface="Cambria Math" panose="02040503050406030204" pitchFamily="18" charset="0"/>
+                            </a:rPr>
+                            <m:t>𝑃</m:t>
+                          </m:r>
+                        </m:sup>
+                      </m:sSup>
+                      <m:r>
+                        <a:rPr lang="en-US" altLang="ko-KR" b="0" i="1" dirty="0" smtClean="0">
+                          <a:solidFill>
+                            <a:schemeClr val="tx1"/>
+                          </a:solidFill>
+                          <a:latin typeface="Cambria Math" panose="02040503050406030204" pitchFamily="18" charset="0"/>
+                        </a:rPr>
+                        <m:t>|</m:t>
+                      </m:r>
+                    </m:oMath>
+                  </a14:m>
+                  <a:r>
+                    <a:rPr lang="en-US" altLang="ko-KR" dirty="0">
+                      <a:solidFill>
+                        <a:schemeClr val="tx1"/>
+                      </a:solidFill>
+                    </a:rPr>
+                    <a:t>  </a:t>
+                  </a:r>
+                  <a:endParaRPr lang="ko-KR" altLang="en-US" dirty="0">
+                    <a:solidFill>
+                      <a:schemeClr val="tx1"/>
+                    </a:solidFill>
+                  </a:endParaRPr>
+                </a:p>
+              </p:txBody>
+            </p:sp>
+          </mc:Choice>
+          <mc:Fallback>
+            <p:sp>
+              <p:nvSpPr>
+                <p:cNvPr id="16" name="원통형 15">
+                  <a:extLst>
+                    <a:ext uri="{FF2B5EF4-FFF2-40B4-BE49-F238E27FC236}">
+                      <a16:creationId xmlns:a16="http://schemas.microsoft.com/office/drawing/2014/main" id="{4BE15741-881D-5FB9-B0FB-D45125DF3209}"/>
+                    </a:ext>
+                  </a:extLst>
+                </p:cNvPr>
+                <p:cNvSpPr>
+                  <a:spLocks noRot="1" noChangeAspect="1" noMove="1" noResize="1" noEditPoints="1" noAdjustHandles="1" noChangeArrowheads="1" noChangeShapeType="1" noTextEdit="1"/>
+                </p:cNvSpPr>
+                <p:nvPr/>
+              </p:nvSpPr>
+              <p:spPr>
+                <a:xfrm>
+                  <a:off x="3509186" y="3678645"/>
+                  <a:ext cx="1207192" cy="385011"/>
+                </a:xfrm>
+                <a:prstGeom prst="can">
+                  <a:avLst/>
+                </a:prstGeom>
+                <a:blipFill>
+                  <a:blip r:embed="rId5"/>
+                  <a:stretch>
+                    <a:fillRect b="-18750"/>
+                  </a:stretch>
+                </a:blipFill>
+                <a:ln>
+                  <a:solidFill>
+                    <a:schemeClr val="tx1"/>
+                  </a:solidFill>
+                </a:ln>
+              </p:spPr>
+              <p:txBody>
+                <a:bodyPr/>
+                <a:lstStyle/>
+                <a:p>
+                  <a:r>
+                    <a:rPr lang="ko-KR" altLang="en-US">
+                      <a:noFill/>
+                    </a:rPr>
+                    <a:t> </a:t>
+                  </a:r>
+                </a:p>
+              </p:txBody>
+            </p:sp>
+          </mc:Fallback>
+        </mc:AlternateContent>
+        <p:sp>
+          <p:nvSpPr>
+            <p:cNvPr id="21" name="TextBox 20">
+              <a:extLst>
+                <a:ext uri="{FF2B5EF4-FFF2-40B4-BE49-F238E27FC236}">
+                  <a16:creationId xmlns:a16="http://schemas.microsoft.com/office/drawing/2014/main" id="{41E55B0B-16BF-BD53-E273-9340E859C7ED}"/>
+                </a:ext>
+              </a:extLst>
+            </p:cNvPr>
+            <p:cNvSpPr txBox="1"/>
+            <p:nvPr/>
+          </p:nvSpPr>
+          <p:spPr>
+            <a:xfrm>
+              <a:off x="3994801" y="2561636"/>
+              <a:ext cx="235962" cy="371192"/>
+            </a:xfrm>
+            <a:prstGeom prst="rect">
+              <a:avLst/>
+            </a:prstGeom>
+            <a:noFill/>
+          </p:spPr>
+          <p:txBody>
+            <a:bodyPr wrap="none" rtlCol="0">
+              <a:spAutoFit/>
+            </a:bodyPr>
+            <a:lstStyle/>
+            <a:p>
+              <a:pPr algn="ctr">
+                <a:lnSpc>
+                  <a:spcPct val="30000"/>
+                </a:lnSpc>
+              </a:pPr>
+              <a:r>
+                <a:rPr lang="en-US" altLang="ko-KR" dirty="0"/>
+                <a:t>.</a:t>
+              </a:r>
+            </a:p>
+            <a:p>
+              <a:pPr algn="ctr">
+                <a:lnSpc>
+                  <a:spcPct val="30000"/>
+                </a:lnSpc>
+              </a:pPr>
+              <a:r>
+                <a:rPr lang="en-US" altLang="ko-KR" dirty="0"/>
+                <a:t>.</a:t>
+              </a:r>
+            </a:p>
+            <a:p>
+              <a:pPr algn="ctr">
+                <a:lnSpc>
+                  <a:spcPct val="30000"/>
+                </a:lnSpc>
+              </a:pPr>
+              <a:r>
+                <a:rPr lang="en-US" altLang="ko-KR" dirty="0"/>
+                <a:t>.</a:t>
+              </a:r>
+            </a:p>
+          </p:txBody>
+        </p:sp>
+        <p:sp>
+          <p:nvSpPr>
+            <p:cNvPr id="23" name="TextBox 22">
+              <a:extLst>
+                <a:ext uri="{FF2B5EF4-FFF2-40B4-BE49-F238E27FC236}">
+                  <a16:creationId xmlns:a16="http://schemas.microsoft.com/office/drawing/2014/main" id="{A589EFBC-2A6B-8981-4726-A7DEA4802472}"/>
+                </a:ext>
+              </a:extLst>
+            </p:cNvPr>
+            <p:cNvSpPr txBox="1"/>
+            <p:nvPr/>
+          </p:nvSpPr>
+          <p:spPr>
+            <a:xfrm>
+              <a:off x="3994801" y="3317839"/>
+              <a:ext cx="235962" cy="371192"/>
+            </a:xfrm>
+            <a:prstGeom prst="rect">
+              <a:avLst/>
+            </a:prstGeom>
+            <a:noFill/>
+          </p:spPr>
+          <p:txBody>
+            <a:bodyPr wrap="none" rtlCol="0">
+              <a:spAutoFit/>
+            </a:bodyPr>
+            <a:lstStyle/>
+            <a:p>
+              <a:pPr algn="ctr">
+                <a:lnSpc>
+                  <a:spcPct val="30000"/>
+                </a:lnSpc>
+              </a:pPr>
+              <a:r>
+                <a:rPr lang="en-US" altLang="ko-KR" dirty="0"/>
+                <a:t>.</a:t>
+              </a:r>
+            </a:p>
+            <a:p>
+              <a:pPr algn="ctr">
+                <a:lnSpc>
+                  <a:spcPct val="30000"/>
+                </a:lnSpc>
+              </a:pPr>
+              <a:r>
+                <a:rPr lang="en-US" altLang="ko-KR" dirty="0"/>
+                <a:t>.</a:t>
+              </a:r>
+            </a:p>
+            <a:p>
+              <a:pPr algn="ctr">
+                <a:lnSpc>
+                  <a:spcPct val="30000"/>
+                </a:lnSpc>
+              </a:pPr>
+              <a:r>
+                <a:rPr lang="en-US" altLang="ko-KR" dirty="0"/>
+                <a:t>.</a:t>
+              </a:r>
+            </a:p>
+          </p:txBody>
+        </p:sp>
+      </p:grpSp>
+      <p:sp>
+        <p:nvSpPr>
+          <p:cNvPr id="26" name="직사각형 25">
+            <a:extLst>
+              <a:ext uri="{FF2B5EF4-FFF2-40B4-BE49-F238E27FC236}">
+                <a16:creationId xmlns:a16="http://schemas.microsoft.com/office/drawing/2014/main" id="{5CE1DD88-FD5F-B2C5-1F10-66CD71E23B08}"/>
+              </a:ext>
+            </a:extLst>
+          </p:cNvPr>
+          <p:cNvSpPr/>
+          <p:nvPr/>
+        </p:nvSpPr>
+        <p:spPr>
+          <a:xfrm>
+            <a:off x="6078246" y="608718"/>
+            <a:ext cx="2646654" cy="377472"/>
+          </a:xfrm>
+          <a:prstGeom prst="rect">
+            <a:avLst/>
+          </a:prstGeom>
+          <a:solidFill>
+            <a:schemeClr val="bg1">
+              <a:lumMod val="85000"/>
+            </a:schemeClr>
+          </a:solidFill>
+          <a:ln>
+            <a:solidFill>
+              <a:schemeClr val="tx1"/>
+            </a:solidFill>
+          </a:ln>
+        </p:spPr>
+        <p:style>
+          <a:lnRef idx="2">
+            <a:schemeClr val="accent1">
+              <a:shade val="50000"/>
+            </a:schemeClr>
+          </a:lnRef>
+          <a:fillRef idx="1">
+            <a:schemeClr val="accent1"/>
+          </a:fillRef>
+          <a:effectRef idx="0">
+            <a:schemeClr val="accent1"/>
+          </a:effectRef>
+          <a:fontRef idx="minor">
+            <a:schemeClr val="lt1"/>
+          </a:fontRef>
+        </p:style>
+        <p:txBody>
+          <a:bodyPr rtlCol="0" anchor="ctr"/>
+          <a:lstStyle/>
+          <a:p>
+            <a:pPr algn="ctr"/>
+            <a:r>
+              <a:rPr lang="en-US" altLang="ko-KR" dirty="0">
+                <a:solidFill>
+                  <a:schemeClr val="tx1"/>
+                </a:solidFill>
+              </a:rPr>
+              <a:t>1st</a:t>
+            </a:r>
+            <a:r>
+              <a:rPr lang="ko-KR" altLang="en-US" dirty="0">
+                <a:solidFill>
+                  <a:schemeClr val="tx1"/>
+                </a:solidFill>
+              </a:rPr>
+              <a:t> </a:t>
+            </a:r>
+            <a:r>
+              <a:rPr lang="en-US" altLang="ko-KR" dirty="0">
+                <a:solidFill>
+                  <a:schemeClr val="tx1"/>
+                </a:solidFill>
+              </a:rPr>
+              <a:t>SC1 Original Data</a:t>
+            </a:r>
+            <a:endParaRPr lang="ko-KR" altLang="en-US" dirty="0">
+              <a:solidFill>
+                <a:schemeClr val="tx1"/>
+              </a:solidFill>
+            </a:endParaRPr>
+          </a:p>
+        </p:txBody>
+      </p:sp>
+      <p:sp>
+        <p:nvSpPr>
+          <p:cNvPr id="28" name="직사각형 27">
+            <a:extLst>
+              <a:ext uri="{FF2B5EF4-FFF2-40B4-BE49-F238E27FC236}">
+                <a16:creationId xmlns:a16="http://schemas.microsoft.com/office/drawing/2014/main" id="{7A451067-129B-30CD-1F2B-9B260D738F5F}"/>
+              </a:ext>
+            </a:extLst>
+          </p:cNvPr>
+          <p:cNvSpPr/>
+          <p:nvPr/>
+        </p:nvSpPr>
+        <p:spPr>
+          <a:xfrm>
+            <a:off x="6078246" y="1359169"/>
+            <a:ext cx="2646654" cy="377472"/>
+          </a:xfrm>
+          <a:prstGeom prst="rect">
+            <a:avLst/>
+          </a:prstGeom>
+          <a:solidFill>
+            <a:schemeClr val="bg1">
+              <a:lumMod val="85000"/>
+            </a:schemeClr>
+          </a:solidFill>
+          <a:ln>
+            <a:solidFill>
+              <a:schemeClr val="tx1"/>
+            </a:solidFill>
+          </a:ln>
+        </p:spPr>
+        <p:style>
+          <a:lnRef idx="2">
+            <a:schemeClr val="accent1">
+              <a:shade val="50000"/>
+            </a:schemeClr>
+          </a:lnRef>
+          <a:fillRef idx="1">
+            <a:schemeClr val="accent1"/>
+          </a:fillRef>
+          <a:effectRef idx="0">
+            <a:schemeClr val="accent1"/>
+          </a:effectRef>
+          <a:fontRef idx="minor">
+            <a:schemeClr val="lt1"/>
+          </a:fontRef>
+        </p:style>
+        <p:txBody>
+          <a:bodyPr rtlCol="0" anchor="ctr"/>
+          <a:lstStyle/>
+          <a:p>
+            <a:pPr algn="ctr"/>
+            <a:r>
+              <a:rPr lang="en-US" altLang="ko-KR" dirty="0" err="1">
+                <a:solidFill>
+                  <a:schemeClr val="tx1"/>
+                </a:solidFill>
+              </a:rPr>
+              <a:t>ith</a:t>
+            </a:r>
+            <a:r>
+              <a:rPr lang="en-US" altLang="ko-KR" dirty="0">
+                <a:solidFill>
+                  <a:schemeClr val="tx1"/>
+                </a:solidFill>
+              </a:rPr>
+              <a:t> SC1 Original Data</a:t>
+            </a:r>
+            <a:endParaRPr lang="ko-KR" altLang="en-US" dirty="0">
+              <a:solidFill>
+                <a:schemeClr val="tx1"/>
+              </a:solidFill>
+            </a:endParaRPr>
+          </a:p>
+        </p:txBody>
+      </p:sp>
+      <p:sp>
+        <p:nvSpPr>
+          <p:cNvPr id="30" name="직사각형 29">
+            <a:extLst>
+              <a:ext uri="{FF2B5EF4-FFF2-40B4-BE49-F238E27FC236}">
+                <a16:creationId xmlns:a16="http://schemas.microsoft.com/office/drawing/2014/main" id="{6BB629FB-8F18-D778-6764-09B06E025972}"/>
+              </a:ext>
+            </a:extLst>
+          </p:cNvPr>
+          <p:cNvSpPr/>
+          <p:nvPr/>
+        </p:nvSpPr>
+        <p:spPr>
+          <a:xfrm>
+            <a:off x="6078247" y="2072271"/>
+            <a:ext cx="2646654" cy="377472"/>
+          </a:xfrm>
+          <a:prstGeom prst="rect">
+            <a:avLst/>
+          </a:prstGeom>
+          <a:solidFill>
+            <a:schemeClr val="bg1">
+              <a:lumMod val="85000"/>
+            </a:schemeClr>
+          </a:solidFill>
+          <a:ln>
+            <a:solidFill>
+              <a:schemeClr val="tx1"/>
+            </a:solidFill>
+          </a:ln>
+        </p:spPr>
+        <p:style>
+          <a:lnRef idx="2">
+            <a:schemeClr val="accent1">
+              <a:shade val="50000"/>
+            </a:schemeClr>
+          </a:lnRef>
+          <a:fillRef idx="1">
+            <a:schemeClr val="accent1"/>
+          </a:fillRef>
+          <a:effectRef idx="0">
+            <a:schemeClr val="accent1"/>
+          </a:effectRef>
+          <a:fontRef idx="minor">
+            <a:schemeClr val="lt1"/>
+          </a:fontRef>
+        </p:style>
+        <p:txBody>
+          <a:bodyPr rtlCol="0" anchor="ctr"/>
+          <a:lstStyle/>
+          <a:p>
+            <a:pPr algn="ctr"/>
+            <a:r>
+              <a:rPr lang="en-US" altLang="ko-KR" dirty="0" err="1">
+                <a:solidFill>
+                  <a:schemeClr val="tx1"/>
+                </a:solidFill>
+              </a:rPr>
+              <a:t>Pth</a:t>
+            </a:r>
+            <a:r>
+              <a:rPr lang="en-US" altLang="ko-KR" dirty="0">
+                <a:solidFill>
+                  <a:schemeClr val="tx1"/>
+                </a:solidFill>
+              </a:rPr>
+              <a:t> SC1 Original Data</a:t>
+            </a:r>
+            <a:endParaRPr lang="ko-KR" altLang="en-US" dirty="0">
+              <a:solidFill>
+                <a:schemeClr val="tx1"/>
+              </a:solidFill>
+            </a:endParaRPr>
+          </a:p>
+        </p:txBody>
+      </p:sp>
+      <p:sp>
+        <p:nvSpPr>
+          <p:cNvPr id="32" name="TextBox 31">
+            <a:extLst>
+              <a:ext uri="{FF2B5EF4-FFF2-40B4-BE49-F238E27FC236}">
+                <a16:creationId xmlns:a16="http://schemas.microsoft.com/office/drawing/2014/main" id="{924EAE87-F79D-151E-154E-4E16E7FB2985}"/>
+              </a:ext>
+            </a:extLst>
+          </p:cNvPr>
+          <p:cNvSpPr txBox="1"/>
+          <p:nvPr/>
+        </p:nvSpPr>
+        <p:spPr>
+          <a:xfrm>
+            <a:off x="7299434" y="1041930"/>
+            <a:ext cx="231342" cy="363924"/>
+          </a:xfrm>
+          <a:prstGeom prst="rect">
+            <a:avLst/>
+          </a:prstGeom>
+          <a:noFill/>
+        </p:spPr>
+        <p:txBody>
+          <a:bodyPr wrap="none" rtlCol="0">
+            <a:spAutoFit/>
+          </a:bodyPr>
+          <a:lstStyle/>
+          <a:p>
+            <a:pPr algn="ctr">
+              <a:lnSpc>
+                <a:spcPct val="30000"/>
+              </a:lnSpc>
+            </a:pPr>
+            <a:r>
+              <a:rPr lang="en-US" altLang="ko-KR" dirty="0"/>
+              <a:t>.</a:t>
+            </a:r>
+          </a:p>
+          <a:p>
+            <a:pPr algn="ctr">
+              <a:lnSpc>
+                <a:spcPct val="30000"/>
+              </a:lnSpc>
+            </a:pPr>
+            <a:r>
+              <a:rPr lang="en-US" altLang="ko-KR" dirty="0"/>
+              <a:t>.</a:t>
+            </a:r>
+          </a:p>
+          <a:p>
+            <a:pPr algn="ctr">
+              <a:lnSpc>
+                <a:spcPct val="30000"/>
+              </a:lnSpc>
+            </a:pPr>
+            <a:r>
+              <a:rPr lang="en-US" altLang="ko-KR" dirty="0"/>
+              <a:t>.</a:t>
+            </a:r>
+          </a:p>
+        </p:txBody>
+      </p:sp>
+      <p:sp>
+        <p:nvSpPr>
+          <p:cNvPr id="40" name="TextBox 39">
+            <a:extLst>
+              <a:ext uri="{FF2B5EF4-FFF2-40B4-BE49-F238E27FC236}">
+                <a16:creationId xmlns:a16="http://schemas.microsoft.com/office/drawing/2014/main" id="{A2C5B39B-050D-7B3B-132E-F038D4BDBF0D}"/>
+              </a:ext>
+            </a:extLst>
+          </p:cNvPr>
+          <p:cNvSpPr txBox="1"/>
+          <p:nvPr/>
+        </p:nvSpPr>
+        <p:spPr>
+          <a:xfrm>
+            <a:off x="7299434" y="1783326"/>
+            <a:ext cx="231342" cy="363924"/>
+          </a:xfrm>
+          <a:prstGeom prst="rect">
+            <a:avLst/>
+          </a:prstGeom>
+          <a:noFill/>
+        </p:spPr>
+        <p:txBody>
+          <a:bodyPr wrap="none" rtlCol="0">
+            <a:spAutoFit/>
+          </a:bodyPr>
+          <a:lstStyle/>
+          <a:p>
+            <a:pPr algn="ctr">
+              <a:lnSpc>
+                <a:spcPct val="30000"/>
+              </a:lnSpc>
+            </a:pPr>
+            <a:r>
+              <a:rPr lang="en-US" altLang="ko-KR" dirty="0"/>
+              <a:t>.</a:t>
+            </a:r>
+          </a:p>
+          <a:p>
+            <a:pPr algn="ctr">
+              <a:lnSpc>
+                <a:spcPct val="30000"/>
+              </a:lnSpc>
+            </a:pPr>
+            <a:r>
+              <a:rPr lang="en-US" altLang="ko-KR" dirty="0"/>
+              <a:t>.</a:t>
+            </a:r>
+          </a:p>
+          <a:p>
+            <a:pPr algn="ctr">
+              <a:lnSpc>
+                <a:spcPct val="30000"/>
+              </a:lnSpc>
+            </a:pPr>
+            <a:r>
+              <a:rPr lang="en-US" altLang="ko-KR" dirty="0"/>
+              <a:t>.</a:t>
+            </a:r>
+          </a:p>
+        </p:txBody>
+      </p:sp>
+      <p:sp>
+        <p:nvSpPr>
+          <p:cNvPr id="59" name="직사각형 58">
+            <a:extLst>
+              <a:ext uri="{FF2B5EF4-FFF2-40B4-BE49-F238E27FC236}">
+                <a16:creationId xmlns:a16="http://schemas.microsoft.com/office/drawing/2014/main" id="{8CB7AAFC-CC20-EF6D-900D-0AFDE8CBB6BC}"/>
+              </a:ext>
+            </a:extLst>
+          </p:cNvPr>
+          <p:cNvSpPr/>
+          <p:nvPr/>
+        </p:nvSpPr>
+        <p:spPr>
+          <a:xfrm>
+            <a:off x="6087302" y="2775157"/>
+            <a:ext cx="2637598" cy="377472"/>
+          </a:xfrm>
+          <a:prstGeom prst="rect">
+            <a:avLst/>
+          </a:prstGeom>
+          <a:solidFill>
+            <a:schemeClr val="bg1">
+              <a:lumMod val="85000"/>
+            </a:schemeClr>
+          </a:solidFill>
+          <a:ln>
+            <a:solidFill>
+              <a:schemeClr val="tx1"/>
+            </a:solidFill>
+          </a:ln>
+        </p:spPr>
+        <p:style>
+          <a:lnRef idx="2">
+            <a:schemeClr val="accent1">
+              <a:shade val="50000"/>
+            </a:schemeClr>
+          </a:lnRef>
+          <a:fillRef idx="1">
+            <a:schemeClr val="accent1"/>
+          </a:fillRef>
+          <a:effectRef idx="0">
+            <a:schemeClr val="accent1"/>
+          </a:effectRef>
+          <a:fontRef idx="minor">
+            <a:schemeClr val="lt1"/>
+          </a:fontRef>
+        </p:style>
+        <p:txBody>
+          <a:bodyPr rtlCol="0" anchor="ctr"/>
+          <a:lstStyle/>
+          <a:p>
+            <a:pPr algn="ctr"/>
+            <a:r>
+              <a:rPr lang="en-US" altLang="ko-KR" dirty="0">
+                <a:solidFill>
+                  <a:schemeClr val="tx1"/>
+                </a:solidFill>
+              </a:rPr>
+              <a:t>SC2 Original Data</a:t>
+            </a:r>
+            <a:endParaRPr lang="ko-KR" altLang="en-US" dirty="0">
+              <a:solidFill>
+                <a:schemeClr val="tx1"/>
+              </a:solidFill>
+            </a:endParaRPr>
+          </a:p>
+        </p:txBody>
+      </p:sp>
+      <mc:AlternateContent xmlns:mc="http://schemas.openxmlformats.org/markup-compatibility/2006">
+        <mc:Choice xmlns:a14="http://schemas.microsoft.com/office/drawing/2010/main" Requires="a14">
+          <p:sp>
+            <p:nvSpPr>
+              <p:cNvPr id="64" name="TextBox 63">
+                <a:extLst>
+                  <a:ext uri="{FF2B5EF4-FFF2-40B4-BE49-F238E27FC236}">
+                    <a16:creationId xmlns:a16="http://schemas.microsoft.com/office/drawing/2014/main" id="{9F820BEB-E014-F947-9867-CDD23EC7B30A}"/>
+                  </a:ext>
+                </a:extLst>
+              </p:cNvPr>
+              <p:cNvSpPr txBox="1"/>
+              <p:nvPr/>
+            </p:nvSpPr>
+            <p:spPr>
+              <a:xfrm>
+                <a:off x="3563676" y="214343"/>
+                <a:ext cx="1549299" cy="362100"/>
+              </a:xfrm>
+              <a:prstGeom prst="rect">
+                <a:avLst/>
+              </a:prstGeom>
+              <a:noFill/>
+            </p:spPr>
+            <p:txBody>
+              <a:bodyPr wrap="none" rtlCol="0">
+                <a:spAutoFit/>
+              </a:bodyPr>
+              <a:lstStyle/>
+              <a:p>
+                <a:pPr algn="ctr"/>
+                <a:r>
+                  <a:rPr lang="en-US" altLang="ko-KR" dirty="0"/>
+                  <a:t>Label data </a:t>
+                </a:r>
+                <a14:m>
+                  <m:oMath xmlns:m="http://schemas.openxmlformats.org/officeDocument/2006/math">
+                    <m:sSub>
+                      <m:sSubPr>
+                        <m:ctrlPr>
+                          <a:rPr lang="en-US" altLang="ko-KR" b="0" i="1" smtClean="0">
+                            <a:latin typeface="Cambria Math" panose="02040503050406030204" pitchFamily="18" charset="0"/>
+                          </a:rPr>
+                        </m:ctrlPr>
+                      </m:sSubPr>
+                      <m:e>
+                        <m:r>
+                          <a:rPr lang="en-US" altLang="ko-KR" b="0" i="1" smtClean="0">
+                            <a:latin typeface="Cambria Math" panose="02040503050406030204" pitchFamily="18" charset="0"/>
+                          </a:rPr>
+                          <m:t>𝑁</m:t>
+                        </m:r>
+                      </m:e>
+                      <m:sub>
+                        <m:r>
+                          <a:rPr lang="en-US" altLang="ko-KR" b="0" i="1" smtClean="0">
+                            <a:latin typeface="Cambria Math" panose="02040503050406030204" pitchFamily="18" charset="0"/>
+                          </a:rPr>
+                          <m:t>𝑙</m:t>
+                        </m:r>
+                      </m:sub>
+                    </m:sSub>
+                  </m:oMath>
+                </a14:m>
+                <a:endParaRPr lang="en-US" altLang="ko-KR" dirty="0"/>
+              </a:p>
+            </p:txBody>
+          </p:sp>
+        </mc:Choice>
+        <mc:Fallback>
+          <p:sp>
+            <p:nvSpPr>
+              <p:cNvPr id="64" name="TextBox 63">
+                <a:extLst>
+                  <a:ext uri="{FF2B5EF4-FFF2-40B4-BE49-F238E27FC236}">
+                    <a16:creationId xmlns:a16="http://schemas.microsoft.com/office/drawing/2014/main" id="{9F820BEB-E014-F947-9867-CDD23EC7B30A}"/>
+                  </a:ext>
+                </a:extLst>
+              </p:cNvPr>
+              <p:cNvSpPr txBox="1">
+                <a:spLocks noRot="1" noChangeAspect="1" noMove="1" noResize="1" noEditPoints="1" noAdjustHandles="1" noChangeArrowheads="1" noChangeShapeType="1" noTextEdit="1"/>
+              </p:cNvSpPr>
+              <p:nvPr/>
+            </p:nvSpPr>
+            <p:spPr>
+              <a:xfrm>
+                <a:off x="3563676" y="214343"/>
+                <a:ext cx="1549299" cy="362100"/>
+              </a:xfrm>
+              <a:prstGeom prst="rect">
+                <a:avLst/>
+              </a:prstGeom>
+              <a:blipFill>
+                <a:blip r:embed="rId6"/>
+                <a:stretch>
+                  <a:fillRect l="-3937" t="-8333" b="-26667"/>
+                </a:stretch>
+              </a:blipFill>
+            </p:spPr>
+            <p:txBody>
+              <a:bodyPr/>
+              <a:lstStyle/>
+              <a:p>
+                <a:r>
+                  <a:rPr lang="ko-KR" altLang="en-US">
+                    <a:noFill/>
+                  </a:rPr>
+                  <a:t> </a:t>
+                </a:r>
+              </a:p>
+            </p:txBody>
+          </p:sp>
+        </mc:Fallback>
+      </mc:AlternateContent>
+      <mc:AlternateContent xmlns:mc="http://schemas.openxmlformats.org/markup-compatibility/2006">
+        <mc:Choice xmlns:a14="http://schemas.microsoft.com/office/drawing/2010/main" Requires="a14">
+          <p:sp>
+            <p:nvSpPr>
+              <p:cNvPr id="65" name="TextBox 64">
+                <a:extLst>
+                  <a:ext uri="{FF2B5EF4-FFF2-40B4-BE49-F238E27FC236}">
+                    <a16:creationId xmlns:a16="http://schemas.microsoft.com/office/drawing/2014/main" id="{D9FB0571-CEFB-0BA3-4740-362C9D9442DC}"/>
+                  </a:ext>
+                </a:extLst>
+              </p:cNvPr>
+              <p:cNvSpPr txBox="1"/>
+              <p:nvPr/>
+            </p:nvSpPr>
+            <p:spPr>
+              <a:xfrm>
+                <a:off x="5719737" y="117683"/>
+                <a:ext cx="3399718" cy="362100"/>
+              </a:xfrm>
+              <a:prstGeom prst="rect">
+                <a:avLst/>
+              </a:prstGeom>
+              <a:noFill/>
+            </p:spPr>
+            <p:txBody>
+              <a:bodyPr wrap="none" rtlCol="0">
+                <a:spAutoFit/>
+              </a:bodyPr>
+              <a:lstStyle/>
+              <a:p>
+                <a:pPr algn="ctr"/>
+                <a:r>
+                  <a:rPr lang="en-US" altLang="ko-KR" dirty="0"/>
+                  <a:t>Pseudo Label data(</a:t>
+                </a:r>
+                <a14:m>
+                  <m:oMath xmlns:m="http://schemas.openxmlformats.org/officeDocument/2006/math">
+                    <m:sSub>
+                      <m:sSubPr>
+                        <m:ctrlPr>
+                          <a:rPr lang="en-US" altLang="ko-KR" b="0" i="1" smtClean="0">
+                            <a:latin typeface="Cambria Math" panose="02040503050406030204" pitchFamily="18" charset="0"/>
+                          </a:rPr>
+                        </m:ctrlPr>
+                      </m:sSubPr>
+                      <m:e>
+                        <m:r>
+                          <a:rPr lang="en-US" altLang="ko-KR" b="0" i="1" smtClean="0">
+                            <a:latin typeface="Cambria Math" panose="02040503050406030204" pitchFamily="18" charset="0"/>
+                          </a:rPr>
+                          <m:t>𝑁</m:t>
+                        </m:r>
+                      </m:e>
+                      <m:sub>
+                        <m:r>
+                          <a:rPr lang="en-US" altLang="ko-KR" b="0" i="1" smtClean="0">
+                            <a:latin typeface="Cambria Math" panose="02040503050406030204" pitchFamily="18" charset="0"/>
+                          </a:rPr>
+                          <m:t>𝐶𝑆</m:t>
+                        </m:r>
+                        <m:r>
+                          <a:rPr lang="en-US" altLang="ko-KR" b="0" i="1" smtClean="0">
+                            <a:latin typeface="Cambria Math" panose="02040503050406030204" pitchFamily="18" charset="0"/>
+                          </a:rPr>
+                          <m:t>1</m:t>
+                        </m:r>
+                      </m:sub>
+                    </m:sSub>
+                    <m:r>
+                      <a:rPr lang="en-US" altLang="ko-KR" b="0" i="1" smtClean="0">
+                        <a:latin typeface="Cambria Math" panose="02040503050406030204" pitchFamily="18" charset="0"/>
+                      </a:rPr>
+                      <m:t>+</m:t>
+                    </m:r>
+                    <m:sSub>
+                      <m:sSubPr>
+                        <m:ctrlPr>
+                          <a:rPr lang="en-US" altLang="ko-KR" b="0" i="1" smtClean="0">
+                            <a:latin typeface="Cambria Math" panose="02040503050406030204" pitchFamily="18" charset="0"/>
+                          </a:rPr>
+                        </m:ctrlPr>
+                      </m:sSubPr>
+                      <m:e>
+                        <m:r>
+                          <a:rPr lang="en-US" altLang="ko-KR" b="0" i="1" smtClean="0">
+                            <a:latin typeface="Cambria Math" panose="02040503050406030204" pitchFamily="18" charset="0"/>
+                          </a:rPr>
+                          <m:t>𝑁</m:t>
+                        </m:r>
+                      </m:e>
+                      <m:sub>
+                        <m:r>
+                          <a:rPr lang="en-US" altLang="ko-KR" b="0" i="1" smtClean="0">
+                            <a:latin typeface="Cambria Math" panose="02040503050406030204" pitchFamily="18" charset="0"/>
+                          </a:rPr>
+                          <m:t>𝐶𝑆</m:t>
+                        </m:r>
+                        <m:r>
+                          <a:rPr lang="en-US" altLang="ko-KR" b="0" i="1" smtClean="0">
+                            <a:latin typeface="Cambria Math" panose="02040503050406030204" pitchFamily="18" charset="0"/>
+                          </a:rPr>
+                          <m:t>2</m:t>
+                        </m:r>
+                      </m:sub>
+                    </m:sSub>
+                    <m:r>
+                      <a:rPr lang="en-US" altLang="ko-KR" b="0" i="1" smtClean="0">
+                        <a:latin typeface="Cambria Math" panose="02040503050406030204" pitchFamily="18" charset="0"/>
+                      </a:rPr>
+                      <m:t>)</m:t>
+                    </m:r>
+                  </m:oMath>
+                </a14:m>
+                <a:endParaRPr lang="en-US" altLang="ko-KR" dirty="0"/>
+              </a:p>
+            </p:txBody>
+          </p:sp>
+        </mc:Choice>
+        <mc:Fallback>
+          <p:sp>
+            <p:nvSpPr>
+              <p:cNvPr id="65" name="TextBox 64">
+                <a:extLst>
+                  <a:ext uri="{FF2B5EF4-FFF2-40B4-BE49-F238E27FC236}">
+                    <a16:creationId xmlns:a16="http://schemas.microsoft.com/office/drawing/2014/main" id="{D9FB0571-CEFB-0BA3-4740-362C9D9442DC}"/>
+                  </a:ext>
+                </a:extLst>
+              </p:cNvPr>
+              <p:cNvSpPr txBox="1">
+                <a:spLocks noRot="1" noChangeAspect="1" noMove="1" noResize="1" noEditPoints="1" noAdjustHandles="1" noChangeArrowheads="1" noChangeShapeType="1" noTextEdit="1"/>
+              </p:cNvSpPr>
+              <p:nvPr/>
+            </p:nvSpPr>
+            <p:spPr>
+              <a:xfrm>
+                <a:off x="5719737" y="117683"/>
+                <a:ext cx="3399718" cy="362100"/>
+              </a:xfrm>
+              <a:prstGeom prst="rect">
+                <a:avLst/>
+              </a:prstGeom>
+              <a:blipFill>
+                <a:blip r:embed="rId7"/>
+                <a:stretch>
+                  <a:fillRect l="-1971" t="-8333" r="-1434" b="-26667"/>
+                </a:stretch>
+              </a:blipFill>
+            </p:spPr>
+            <p:txBody>
+              <a:bodyPr/>
+              <a:lstStyle/>
+              <a:p>
+                <a:r>
+                  <a:rPr lang="ko-KR" altLang="en-US">
+                    <a:noFill/>
+                  </a:rPr>
+                  <a:t> </a:t>
+                </a:r>
+              </a:p>
+            </p:txBody>
+          </p:sp>
+        </mc:Fallback>
+      </mc:AlternateContent>
+      <p:sp>
+        <p:nvSpPr>
+          <p:cNvPr id="75" name="직사각형 74">
+            <a:extLst>
+              <a:ext uri="{FF2B5EF4-FFF2-40B4-BE49-F238E27FC236}">
+                <a16:creationId xmlns:a16="http://schemas.microsoft.com/office/drawing/2014/main" id="{5D97DEB3-C3B9-6D55-EFBE-9B166FA87620}"/>
+              </a:ext>
+            </a:extLst>
+          </p:cNvPr>
+          <p:cNvSpPr/>
+          <p:nvPr/>
+        </p:nvSpPr>
+        <p:spPr>
+          <a:xfrm>
+            <a:off x="10352491" y="1176046"/>
+            <a:ext cx="1458509" cy="1352607"/>
+          </a:xfrm>
+          <a:prstGeom prst="rect">
+            <a:avLst/>
+          </a:prstGeom>
+          <a:solidFill>
+            <a:schemeClr val="bg1">
+              <a:lumMod val="85000"/>
+            </a:schemeClr>
+          </a:solidFill>
+          <a:ln>
+            <a:solidFill>
+              <a:schemeClr val="tx1"/>
+            </a:solidFill>
+          </a:ln>
+        </p:spPr>
+        <p:style>
+          <a:lnRef idx="2">
+            <a:schemeClr val="accent1">
+              <a:shade val="50000"/>
+            </a:schemeClr>
+          </a:lnRef>
+          <a:fillRef idx="1">
+            <a:schemeClr val="accent1"/>
+          </a:fillRef>
+          <a:effectRef idx="0">
+            <a:schemeClr val="accent1"/>
+          </a:effectRef>
+          <a:fontRef idx="minor">
+            <a:schemeClr val="lt1"/>
+          </a:fontRef>
+        </p:style>
+        <p:txBody>
+          <a:bodyPr rtlCol="0" anchor="ctr"/>
+          <a:lstStyle/>
+          <a:p>
+            <a:pPr algn="ctr"/>
+            <a:r>
+              <a:rPr lang="en-US" altLang="ko-KR" dirty="0">
+                <a:solidFill>
+                  <a:schemeClr val="tx1"/>
+                </a:solidFill>
+              </a:rPr>
+              <a:t>Deep learning </a:t>
+            </a:r>
+          </a:p>
+          <a:p>
+            <a:pPr algn="ctr"/>
+            <a:r>
+              <a:rPr lang="en-US" altLang="ko-KR" dirty="0">
+                <a:solidFill>
+                  <a:schemeClr val="tx1"/>
+                </a:solidFill>
+              </a:rPr>
+              <a:t>Model</a:t>
+            </a:r>
+          </a:p>
+        </p:txBody>
+      </p:sp>
+      <p:cxnSp>
+        <p:nvCxnSpPr>
+          <p:cNvPr id="78" name="직선 화살표 연결선 77">
+            <a:extLst>
+              <a:ext uri="{FF2B5EF4-FFF2-40B4-BE49-F238E27FC236}">
+                <a16:creationId xmlns:a16="http://schemas.microsoft.com/office/drawing/2014/main" id="{D8B055A0-A7DE-3913-28B2-D2E6BECC9376}"/>
+              </a:ext>
+            </a:extLst>
+          </p:cNvPr>
+          <p:cNvCxnSpPr>
+            <a:cxnSpLocks/>
+          </p:cNvCxnSpPr>
+          <p:nvPr/>
+        </p:nvCxnSpPr>
+        <p:spPr>
+          <a:xfrm>
+            <a:off x="9195655" y="1734589"/>
+            <a:ext cx="1020216" cy="0"/>
+          </a:xfrm>
+          <a:prstGeom prst="straightConnector1">
+            <a:avLst/>
+          </a:prstGeom>
+          <a:ln w="38100">
+            <a:tailEnd type="triangle"/>
+          </a:ln>
+        </p:spPr>
+        <p:style>
+          <a:lnRef idx="1">
+            <a:schemeClr val="dk1"/>
+          </a:lnRef>
+          <a:fillRef idx="0">
+            <a:schemeClr val="dk1"/>
+          </a:fillRef>
+          <a:effectRef idx="0">
+            <a:schemeClr val="dk1"/>
+          </a:effectRef>
+          <a:fontRef idx="minor">
+            <a:schemeClr val="tx1"/>
+          </a:fontRef>
+        </p:style>
+      </p:cxnSp>
+      <p:sp>
+        <p:nvSpPr>
+          <p:cNvPr id="79" name="TextBox 78">
+            <a:extLst>
+              <a:ext uri="{FF2B5EF4-FFF2-40B4-BE49-F238E27FC236}">
+                <a16:creationId xmlns:a16="http://schemas.microsoft.com/office/drawing/2014/main" id="{0ED00CBE-5C95-F936-6E41-F2E077FD7FCC}"/>
+              </a:ext>
+            </a:extLst>
+          </p:cNvPr>
+          <p:cNvSpPr txBox="1"/>
+          <p:nvPr/>
+        </p:nvSpPr>
+        <p:spPr>
+          <a:xfrm>
+            <a:off x="9162781" y="1266663"/>
+            <a:ext cx="986473" cy="362100"/>
+          </a:xfrm>
+          <a:prstGeom prst="rect">
+            <a:avLst/>
+          </a:prstGeom>
+          <a:noFill/>
+        </p:spPr>
+        <p:txBody>
+          <a:bodyPr wrap="none" rtlCol="0">
+            <a:spAutoFit/>
+          </a:bodyPr>
+          <a:lstStyle/>
+          <a:p>
+            <a:pPr algn="ctr"/>
+            <a:r>
+              <a:rPr lang="en-US" altLang="ko-KR" dirty="0"/>
+              <a:t>Training</a:t>
+            </a:r>
+          </a:p>
+        </p:txBody>
+      </p:sp>
+      <mc:AlternateContent xmlns:mc="http://schemas.openxmlformats.org/markup-compatibility/2006">
+        <mc:Choice xmlns:a14="http://schemas.microsoft.com/office/drawing/2010/main" Requires="a14">
+          <p:sp>
+            <p:nvSpPr>
+              <p:cNvPr id="81" name="원통형 80">
+                <a:extLst>
+                  <a:ext uri="{FF2B5EF4-FFF2-40B4-BE49-F238E27FC236}">
+                    <a16:creationId xmlns:a16="http://schemas.microsoft.com/office/drawing/2014/main" id="{B2C3871D-D29E-2AAA-AC6E-E512F3E064A8}"/>
+                  </a:ext>
+                </a:extLst>
+              </p:cNvPr>
+              <p:cNvSpPr/>
+              <p:nvPr/>
+            </p:nvSpPr>
+            <p:spPr>
+              <a:xfrm>
+                <a:off x="118334" y="4339893"/>
+                <a:ext cx="1806719" cy="1791262"/>
+              </a:xfrm>
+              <a:prstGeom prst="can">
+                <a:avLst/>
+              </a:prstGeom>
+              <a:solidFill>
+                <a:schemeClr val="bg1">
+                  <a:lumMod val="95000"/>
+                </a:schemeClr>
+              </a:solidFill>
+              <a:ln>
+                <a:solidFill>
+                  <a:schemeClr val="tx1"/>
+                </a:solidFill>
+              </a:ln>
+            </p:spPr>
+            <p:style>
+              <a:lnRef idx="2">
+                <a:schemeClr val="accent1">
+                  <a:shade val="50000"/>
+                </a:schemeClr>
+              </a:lnRef>
+              <a:fillRef idx="1">
+                <a:schemeClr val="accent1"/>
+              </a:fillRef>
+              <a:effectRef idx="0">
+                <a:schemeClr val="accent1"/>
+              </a:effectRef>
+              <a:fontRef idx="minor">
+                <a:schemeClr val="lt1"/>
+              </a:fontRef>
+            </p:style>
+            <p:txBody>
+              <a:bodyPr rtlCol="0" anchor="ctr"/>
+              <a:lstStyle/>
+              <a:p>
+                <a:pPr algn="ctr"/>
+                <a:r>
+                  <a:rPr lang="en-US" altLang="ko-KR" dirty="0">
+                    <a:solidFill>
+                      <a:sysClr val="windowText" lastClr="000000"/>
+                    </a:solidFill>
+                  </a:rPr>
+                  <a:t>Feature of </a:t>
+                </a:r>
+                <a14:m>
+                  <m:oMath xmlns:m="http://schemas.openxmlformats.org/officeDocument/2006/math">
+                    <m:r>
+                      <a:rPr lang="en-US" altLang="ko-KR" b="0" i="1" smtClean="0">
+                        <a:solidFill>
+                          <a:sysClr val="windowText" lastClr="000000"/>
+                        </a:solidFill>
+                        <a:latin typeface="Cambria Math" panose="02040503050406030204" pitchFamily="18" charset="0"/>
+                      </a:rPr>
+                      <m:t>𝑈</m:t>
+                    </m:r>
+                  </m:oMath>
+                </a14:m>
+                <a:endParaRPr lang="en-US" altLang="ko-KR" dirty="0">
+                  <a:solidFill>
+                    <a:sysClr val="windowText" lastClr="000000"/>
+                  </a:solidFill>
+                </a:endParaRPr>
+              </a:p>
+            </p:txBody>
+          </p:sp>
+        </mc:Choice>
+        <mc:Fallback>
+          <p:sp>
+            <p:nvSpPr>
+              <p:cNvPr id="81" name="원통형 80">
+                <a:extLst>
+                  <a:ext uri="{FF2B5EF4-FFF2-40B4-BE49-F238E27FC236}">
+                    <a16:creationId xmlns:a16="http://schemas.microsoft.com/office/drawing/2014/main" id="{B2C3871D-D29E-2AAA-AC6E-E512F3E064A8}"/>
+                  </a:ext>
+                </a:extLst>
+              </p:cNvPr>
+              <p:cNvSpPr>
+                <a:spLocks noRot="1" noChangeAspect="1" noMove="1" noResize="1" noEditPoints="1" noAdjustHandles="1" noChangeArrowheads="1" noChangeShapeType="1" noTextEdit="1"/>
+              </p:cNvSpPr>
+              <p:nvPr/>
+            </p:nvSpPr>
+            <p:spPr>
+              <a:xfrm>
+                <a:off x="118334" y="4339893"/>
+                <a:ext cx="1806719" cy="1791262"/>
+              </a:xfrm>
+              <a:prstGeom prst="can">
+                <a:avLst/>
+              </a:prstGeom>
+              <a:blipFill>
+                <a:blip r:embed="rId8"/>
+                <a:stretch>
+                  <a:fillRect/>
+                </a:stretch>
+              </a:blipFill>
+              <a:ln>
+                <a:solidFill>
+                  <a:schemeClr val="tx1"/>
+                </a:solidFill>
+              </a:ln>
+            </p:spPr>
+            <p:txBody>
+              <a:bodyPr/>
+              <a:lstStyle/>
+              <a:p>
+                <a:r>
+                  <a:rPr lang="ko-KR" altLang="en-US">
+                    <a:noFill/>
+                  </a:rPr>
+                  <a:t> </a:t>
+                </a:r>
+              </a:p>
+            </p:txBody>
+          </p:sp>
+        </mc:Fallback>
+      </mc:AlternateContent>
+      <p:cxnSp>
+        <p:nvCxnSpPr>
+          <p:cNvPr id="82" name="직선 화살표 연결선 81">
+            <a:extLst>
+              <a:ext uri="{FF2B5EF4-FFF2-40B4-BE49-F238E27FC236}">
+                <a16:creationId xmlns:a16="http://schemas.microsoft.com/office/drawing/2014/main" id="{E04B83D3-7722-C1D1-072F-C5F9343F6045}"/>
+              </a:ext>
+            </a:extLst>
+          </p:cNvPr>
+          <p:cNvCxnSpPr>
+            <a:cxnSpLocks/>
+          </p:cNvCxnSpPr>
+          <p:nvPr/>
+        </p:nvCxnSpPr>
+        <p:spPr>
+          <a:xfrm>
+            <a:off x="1991723" y="5055946"/>
+            <a:ext cx="1303229" cy="0"/>
+          </a:xfrm>
+          <a:prstGeom prst="straightConnector1">
+            <a:avLst/>
+          </a:prstGeom>
+          <a:ln w="38100">
+            <a:tailEnd type="triangle"/>
+          </a:ln>
+        </p:spPr>
+        <p:style>
+          <a:lnRef idx="1">
+            <a:schemeClr val="dk1"/>
+          </a:lnRef>
+          <a:fillRef idx="0">
+            <a:schemeClr val="dk1"/>
+          </a:fillRef>
+          <a:effectRef idx="0">
+            <a:schemeClr val="dk1"/>
+          </a:effectRef>
+          <a:fontRef idx="minor">
+            <a:schemeClr val="tx1"/>
+          </a:fontRef>
+        </p:style>
+      </p:cxnSp>
+      <p:sp>
+        <p:nvSpPr>
+          <p:cNvPr id="83" name="TextBox 82">
+            <a:extLst>
+              <a:ext uri="{FF2B5EF4-FFF2-40B4-BE49-F238E27FC236}">
+                <a16:creationId xmlns:a16="http://schemas.microsoft.com/office/drawing/2014/main" id="{5C78F26A-E27D-0409-D5DA-CF0EB4CDDE99}"/>
+              </a:ext>
+            </a:extLst>
+          </p:cNvPr>
+          <p:cNvSpPr txBox="1"/>
+          <p:nvPr/>
+        </p:nvSpPr>
+        <p:spPr>
+          <a:xfrm>
+            <a:off x="2064497" y="4315686"/>
+            <a:ext cx="1103186" cy="646331"/>
+          </a:xfrm>
+          <a:prstGeom prst="rect">
+            <a:avLst/>
+          </a:prstGeom>
+          <a:noFill/>
+        </p:spPr>
+        <p:txBody>
+          <a:bodyPr wrap="none" rtlCol="0">
+            <a:spAutoFit/>
+          </a:bodyPr>
+          <a:lstStyle/>
+          <a:p>
+            <a:pPr algn="ctr"/>
+            <a:r>
+              <a:rPr lang="en-US" altLang="ko-KR" dirty="0"/>
+              <a:t>Coreset</a:t>
+            </a:r>
+          </a:p>
+          <a:p>
+            <a:pPr algn="ctr"/>
+            <a:r>
+              <a:rPr lang="en-US" altLang="ko-KR" dirty="0"/>
+              <a:t>selection</a:t>
+            </a:r>
+          </a:p>
+        </p:txBody>
+      </p:sp>
+      <p:sp>
+        <p:nvSpPr>
+          <p:cNvPr id="84" name="TextBox 83">
+            <a:extLst>
+              <a:ext uri="{FF2B5EF4-FFF2-40B4-BE49-F238E27FC236}">
+                <a16:creationId xmlns:a16="http://schemas.microsoft.com/office/drawing/2014/main" id="{98BD6A57-399A-F1C4-D638-D1AF950D2EAF}"/>
+              </a:ext>
+            </a:extLst>
+          </p:cNvPr>
+          <p:cNvSpPr txBox="1"/>
+          <p:nvPr/>
+        </p:nvSpPr>
+        <p:spPr>
+          <a:xfrm>
+            <a:off x="1980501" y="5152198"/>
+            <a:ext cx="1271182" cy="369332"/>
+          </a:xfrm>
+          <a:prstGeom prst="rect">
+            <a:avLst/>
+          </a:prstGeom>
+          <a:noFill/>
+        </p:spPr>
+        <p:txBody>
+          <a:bodyPr wrap="none" rtlCol="0">
+            <a:spAutoFit/>
+          </a:bodyPr>
+          <a:lstStyle/>
+          <a:p>
+            <a:pPr algn="ctr"/>
+            <a:r>
+              <a:rPr lang="en-US" altLang="ko-KR" dirty="0"/>
+              <a:t>P Iteration</a:t>
+            </a:r>
+          </a:p>
+        </p:txBody>
+      </p:sp>
+      <p:grpSp>
+        <p:nvGrpSpPr>
+          <p:cNvPr id="116" name="그룹 115">
+            <a:extLst>
+              <a:ext uri="{FF2B5EF4-FFF2-40B4-BE49-F238E27FC236}">
+                <a16:creationId xmlns:a16="http://schemas.microsoft.com/office/drawing/2014/main" id="{3219302D-7B60-1CDE-4424-B5969D9EACE6}"/>
+              </a:ext>
+            </a:extLst>
+          </p:cNvPr>
+          <p:cNvGrpSpPr/>
+          <p:nvPr/>
+        </p:nvGrpSpPr>
+        <p:grpSpPr>
+          <a:xfrm>
+            <a:off x="3562951" y="3976744"/>
+            <a:ext cx="1509887" cy="2235646"/>
+            <a:chOff x="3345982" y="2028205"/>
+            <a:chExt cx="1540042" cy="2280295"/>
+          </a:xfrm>
+        </p:grpSpPr>
+        <p:sp>
+          <p:nvSpPr>
+            <p:cNvPr id="131" name="사각형: 둥근 모서리 130">
+              <a:extLst>
+                <a:ext uri="{FF2B5EF4-FFF2-40B4-BE49-F238E27FC236}">
+                  <a16:creationId xmlns:a16="http://schemas.microsoft.com/office/drawing/2014/main" id="{7F8771CE-BCFD-DA72-9385-F7D16E6B7863}"/>
+                </a:ext>
+              </a:extLst>
+            </p:cNvPr>
+            <p:cNvSpPr/>
+            <p:nvPr/>
+          </p:nvSpPr>
+          <p:spPr>
+            <a:xfrm>
+              <a:off x="3345982" y="2028205"/>
+              <a:ext cx="1540042" cy="2280295"/>
+            </a:xfrm>
+            <a:prstGeom prst="roundRect">
+              <a:avLst/>
+            </a:prstGeom>
+            <a:solidFill>
+              <a:schemeClr val="accent1">
+                <a:alpha val="30000"/>
+              </a:schemeClr>
+            </a:solidFill>
+          </p:spPr>
+          <p:style>
+            <a:lnRef idx="2">
+              <a:schemeClr val="accent1">
+                <a:shade val="50000"/>
+              </a:schemeClr>
+            </a:lnRef>
+            <a:fillRef idx="1">
+              <a:schemeClr val="accent1"/>
+            </a:fillRef>
+            <a:effectRef idx="0">
+              <a:schemeClr val="accent1"/>
+            </a:effectRef>
+            <a:fontRef idx="minor">
+              <a:schemeClr val="lt1"/>
+            </a:fontRef>
+          </p:style>
+          <p:txBody>
+            <a:bodyPr rtlCol="0" anchor="ctr"/>
+            <a:lstStyle/>
+            <a:p>
+              <a:pPr algn="ctr"/>
+              <a:endParaRPr lang="ko-KR" altLang="en-US"/>
+            </a:p>
+          </p:txBody>
+        </p:sp>
+        <mc:AlternateContent xmlns:mc="http://schemas.openxmlformats.org/markup-compatibility/2006">
+          <mc:Choice xmlns:a14="http://schemas.microsoft.com/office/drawing/2010/main" Requires="a14">
+            <p:sp>
+              <p:nvSpPr>
+                <p:cNvPr id="132" name="원통형 131">
+                  <a:extLst>
+                    <a:ext uri="{FF2B5EF4-FFF2-40B4-BE49-F238E27FC236}">
+                      <a16:creationId xmlns:a16="http://schemas.microsoft.com/office/drawing/2014/main" id="{F32AE234-F770-BFFC-67DE-91AB81FBF7CC}"/>
+                    </a:ext>
+                  </a:extLst>
+                </p:cNvPr>
+                <p:cNvSpPr/>
+                <p:nvPr/>
+              </p:nvSpPr>
+              <p:spPr>
+                <a:xfrm>
+                  <a:off x="3509186" y="2176625"/>
+                  <a:ext cx="1207192" cy="385011"/>
+                </a:xfrm>
+                <a:prstGeom prst="can">
+                  <a:avLst/>
+                </a:prstGeom>
+                <a:solidFill>
+                  <a:schemeClr val="accent1">
+                    <a:lumMod val="60000"/>
+                    <a:lumOff val="40000"/>
+                  </a:schemeClr>
+                </a:solidFill>
+                <a:ln>
+                  <a:solidFill>
+                    <a:schemeClr val="tx1"/>
+                  </a:solidFill>
+                </a:ln>
+              </p:spPr>
+              <p:style>
+                <a:lnRef idx="2">
+                  <a:schemeClr val="accent1">
+                    <a:shade val="50000"/>
+                  </a:schemeClr>
+                </a:lnRef>
+                <a:fillRef idx="1">
+                  <a:schemeClr val="accent1"/>
+                </a:fillRef>
+                <a:effectRef idx="0">
+                  <a:schemeClr val="accent1"/>
+                </a:effectRef>
+                <a:fontRef idx="minor">
+                  <a:schemeClr val="lt1"/>
+                </a:fontRef>
+              </p:style>
+              <p:txBody>
+                <a:bodyPr rtlCol="0" anchor="ctr"/>
+                <a:lstStyle/>
+                <a:p>
+                  <a:pPr algn="ctr"/>
+                  <a14:m>
+                    <m:oMath xmlns:m="http://schemas.openxmlformats.org/officeDocument/2006/math">
+                      <m:sSup>
+                        <m:sSupPr>
+                          <m:ctrlPr>
+                            <a:rPr lang="en-US" altLang="ko-KR" b="0" i="1" dirty="0" smtClean="0">
+                              <a:solidFill>
+                                <a:schemeClr val="tx1"/>
+                              </a:solidFill>
+                              <a:latin typeface="Cambria Math" panose="02040503050406030204" pitchFamily="18" charset="0"/>
+                            </a:rPr>
+                          </m:ctrlPr>
+                        </m:sSupPr>
+                        <m:e>
+                          <m:r>
+                            <a:rPr lang="en-US" altLang="ko-KR" b="0" i="1" dirty="0" smtClean="0">
+                              <a:solidFill>
+                                <a:schemeClr val="tx1"/>
+                              </a:solidFill>
+                              <a:latin typeface="Cambria Math" panose="02040503050406030204" pitchFamily="18" charset="0"/>
+                            </a:rPr>
+                            <m:t>|</m:t>
+                          </m:r>
+                          <m:r>
+                            <a:rPr lang="en-US" altLang="ko-KR" b="0" i="1" dirty="0" smtClean="0">
+                              <a:solidFill>
+                                <a:schemeClr val="tx1"/>
+                              </a:solidFill>
+                              <a:latin typeface="Cambria Math" panose="02040503050406030204" pitchFamily="18" charset="0"/>
+                            </a:rPr>
+                            <m:t>𝑆</m:t>
+                          </m:r>
+                        </m:e>
+                        <m:sup>
+                          <m:r>
+                            <a:rPr lang="en-US" altLang="ko-KR" b="0" i="1" dirty="0" smtClean="0">
+                              <a:solidFill>
+                                <a:schemeClr val="tx1"/>
+                              </a:solidFill>
+                              <a:latin typeface="Cambria Math" panose="02040503050406030204" pitchFamily="18" charset="0"/>
+                            </a:rPr>
+                            <m:t>1</m:t>
+                          </m:r>
+                        </m:sup>
+                      </m:sSup>
+                      <m:r>
+                        <a:rPr lang="en-US" altLang="ko-KR" b="0" i="1" dirty="0" smtClean="0">
+                          <a:solidFill>
+                            <a:schemeClr val="tx1"/>
+                          </a:solidFill>
+                          <a:latin typeface="Cambria Math" panose="02040503050406030204" pitchFamily="18" charset="0"/>
+                        </a:rPr>
+                        <m:t>|</m:t>
+                      </m:r>
+                    </m:oMath>
+                  </a14:m>
+                  <a:r>
+                    <a:rPr lang="en-US" altLang="ko-KR" dirty="0">
+                      <a:solidFill>
+                        <a:schemeClr val="tx1"/>
+                      </a:solidFill>
+                    </a:rPr>
+                    <a:t>  </a:t>
+                  </a:r>
+                  <a:endParaRPr lang="ko-KR" altLang="en-US" dirty="0">
+                    <a:solidFill>
+                      <a:schemeClr val="tx1"/>
+                    </a:solidFill>
+                  </a:endParaRPr>
+                </a:p>
+              </p:txBody>
+            </p:sp>
+          </mc:Choice>
+          <mc:Fallback>
+            <p:sp>
+              <p:nvSpPr>
+                <p:cNvPr id="132" name="원통형 131">
+                  <a:extLst>
+                    <a:ext uri="{FF2B5EF4-FFF2-40B4-BE49-F238E27FC236}">
+                      <a16:creationId xmlns:a16="http://schemas.microsoft.com/office/drawing/2014/main" id="{F32AE234-F770-BFFC-67DE-91AB81FBF7CC}"/>
+                    </a:ext>
+                  </a:extLst>
+                </p:cNvPr>
+                <p:cNvSpPr>
+                  <a:spLocks noRot="1" noChangeAspect="1" noMove="1" noResize="1" noEditPoints="1" noAdjustHandles="1" noChangeArrowheads="1" noChangeShapeType="1" noTextEdit="1"/>
+                </p:cNvSpPr>
+                <p:nvPr/>
+              </p:nvSpPr>
+              <p:spPr>
+                <a:xfrm>
+                  <a:off x="3509186" y="2176625"/>
+                  <a:ext cx="1207192" cy="385011"/>
+                </a:xfrm>
+                <a:prstGeom prst="can">
+                  <a:avLst/>
+                </a:prstGeom>
+                <a:blipFill>
+                  <a:blip r:embed="rId9"/>
+                  <a:stretch>
+                    <a:fillRect b="-20313"/>
+                  </a:stretch>
+                </a:blipFill>
+                <a:ln>
+                  <a:solidFill>
+                    <a:schemeClr val="tx1"/>
+                  </a:solidFill>
+                </a:ln>
+              </p:spPr>
+              <p:txBody>
+                <a:bodyPr/>
+                <a:lstStyle/>
+                <a:p>
+                  <a:r>
+                    <a:rPr lang="ko-KR" altLang="en-US">
+                      <a:noFill/>
+                    </a:rPr>
+                    <a:t> </a:t>
+                  </a:r>
+                </a:p>
+              </p:txBody>
+            </p:sp>
+          </mc:Fallback>
+        </mc:AlternateContent>
+        <mc:AlternateContent xmlns:mc="http://schemas.openxmlformats.org/markup-compatibility/2006">
+          <mc:Choice xmlns:a14="http://schemas.microsoft.com/office/drawing/2010/main" Requires="a14">
+            <p:sp>
+              <p:nvSpPr>
+                <p:cNvPr id="133" name="원통형 132">
+                  <a:extLst>
+                    <a:ext uri="{FF2B5EF4-FFF2-40B4-BE49-F238E27FC236}">
+                      <a16:creationId xmlns:a16="http://schemas.microsoft.com/office/drawing/2014/main" id="{9EFFE34D-10D5-B188-864E-21955B56C720}"/>
+                    </a:ext>
+                  </a:extLst>
+                </p:cNvPr>
+                <p:cNvSpPr/>
+                <p:nvPr/>
+              </p:nvSpPr>
+              <p:spPr>
+                <a:xfrm>
+                  <a:off x="3515164" y="2938725"/>
+                  <a:ext cx="1207192" cy="385011"/>
+                </a:xfrm>
+                <a:prstGeom prst="can">
+                  <a:avLst/>
+                </a:prstGeom>
+                <a:solidFill>
+                  <a:schemeClr val="accent1">
+                    <a:lumMod val="60000"/>
+                    <a:lumOff val="40000"/>
+                  </a:schemeClr>
+                </a:solidFill>
+                <a:ln>
+                  <a:solidFill>
+                    <a:schemeClr val="tx1"/>
+                  </a:solidFill>
+                </a:ln>
+              </p:spPr>
+              <p:style>
+                <a:lnRef idx="2">
+                  <a:schemeClr val="accent1">
+                    <a:shade val="50000"/>
+                  </a:schemeClr>
+                </a:lnRef>
+                <a:fillRef idx="1">
+                  <a:schemeClr val="accent1"/>
+                </a:fillRef>
+                <a:effectRef idx="0">
+                  <a:schemeClr val="accent1"/>
+                </a:effectRef>
+                <a:fontRef idx="minor">
+                  <a:schemeClr val="lt1"/>
+                </a:fontRef>
+              </p:style>
+              <p:txBody>
+                <a:bodyPr rtlCol="0" anchor="ctr"/>
+                <a:lstStyle/>
+                <a:p>
+                  <a:pPr algn="ctr"/>
+                  <a14:m>
+                    <m:oMath xmlns:m="http://schemas.openxmlformats.org/officeDocument/2006/math">
+                      <m:sSup>
+                        <m:sSupPr>
+                          <m:ctrlPr>
+                            <a:rPr lang="en-US" altLang="ko-KR" b="0" i="1" dirty="0" smtClean="0">
+                              <a:solidFill>
+                                <a:schemeClr val="tx1"/>
+                              </a:solidFill>
+                              <a:latin typeface="Cambria Math" panose="02040503050406030204" pitchFamily="18" charset="0"/>
+                            </a:rPr>
+                          </m:ctrlPr>
+                        </m:sSupPr>
+                        <m:e>
+                          <m:r>
+                            <a:rPr lang="en-US" altLang="ko-KR" b="0" i="1" dirty="0" smtClean="0">
+                              <a:solidFill>
+                                <a:schemeClr val="tx1"/>
+                              </a:solidFill>
+                              <a:latin typeface="Cambria Math" panose="02040503050406030204" pitchFamily="18" charset="0"/>
+                            </a:rPr>
+                            <m:t>|</m:t>
+                          </m:r>
+                          <m:r>
+                            <a:rPr lang="en-US" altLang="ko-KR" b="0" i="1" dirty="0" smtClean="0">
+                              <a:solidFill>
+                                <a:schemeClr val="tx1"/>
+                              </a:solidFill>
+                              <a:latin typeface="Cambria Math" panose="02040503050406030204" pitchFamily="18" charset="0"/>
+                            </a:rPr>
+                            <m:t>𝑆</m:t>
+                          </m:r>
+                        </m:e>
+                        <m:sup>
+                          <m:r>
+                            <a:rPr lang="en-US" altLang="ko-KR" b="0" i="1" dirty="0" smtClean="0">
+                              <a:solidFill>
+                                <a:schemeClr val="tx1"/>
+                              </a:solidFill>
+                              <a:latin typeface="Cambria Math" panose="02040503050406030204" pitchFamily="18" charset="0"/>
+                            </a:rPr>
+                            <m:t>𝑖</m:t>
+                          </m:r>
+                        </m:sup>
+                      </m:sSup>
+                      <m:r>
+                        <a:rPr lang="en-US" altLang="ko-KR" b="0" i="1" dirty="0" smtClean="0">
+                          <a:solidFill>
+                            <a:schemeClr val="tx1"/>
+                          </a:solidFill>
+                          <a:latin typeface="Cambria Math" panose="02040503050406030204" pitchFamily="18" charset="0"/>
+                        </a:rPr>
+                        <m:t>|</m:t>
+                      </m:r>
+                    </m:oMath>
+                  </a14:m>
+                  <a:r>
+                    <a:rPr lang="en-US" altLang="ko-KR" dirty="0">
+                      <a:solidFill>
+                        <a:schemeClr val="tx1"/>
+                      </a:solidFill>
+                    </a:rPr>
+                    <a:t>  </a:t>
+                  </a:r>
+                  <a:endParaRPr lang="ko-KR" altLang="en-US" dirty="0">
+                    <a:solidFill>
+                      <a:schemeClr val="tx1"/>
+                    </a:solidFill>
+                  </a:endParaRPr>
+                </a:p>
+              </p:txBody>
+            </p:sp>
+          </mc:Choice>
+          <mc:Fallback>
+            <p:sp>
+              <p:nvSpPr>
+                <p:cNvPr id="133" name="원통형 132">
+                  <a:extLst>
+                    <a:ext uri="{FF2B5EF4-FFF2-40B4-BE49-F238E27FC236}">
+                      <a16:creationId xmlns:a16="http://schemas.microsoft.com/office/drawing/2014/main" id="{9EFFE34D-10D5-B188-864E-21955B56C720}"/>
+                    </a:ext>
+                  </a:extLst>
+                </p:cNvPr>
+                <p:cNvSpPr>
+                  <a:spLocks noRot="1" noChangeAspect="1" noMove="1" noResize="1" noEditPoints="1" noAdjustHandles="1" noChangeArrowheads="1" noChangeShapeType="1" noTextEdit="1"/>
+                </p:cNvSpPr>
+                <p:nvPr/>
+              </p:nvSpPr>
+              <p:spPr>
+                <a:xfrm>
+                  <a:off x="3515164" y="2938725"/>
+                  <a:ext cx="1207192" cy="385011"/>
+                </a:xfrm>
+                <a:prstGeom prst="can">
+                  <a:avLst/>
+                </a:prstGeom>
+                <a:blipFill>
+                  <a:blip r:embed="rId10"/>
+                  <a:stretch>
+                    <a:fillRect b="-18750"/>
+                  </a:stretch>
+                </a:blipFill>
+                <a:ln>
+                  <a:solidFill>
+                    <a:schemeClr val="tx1"/>
+                  </a:solidFill>
+                </a:ln>
+              </p:spPr>
+              <p:txBody>
+                <a:bodyPr/>
+                <a:lstStyle/>
+                <a:p>
+                  <a:r>
+                    <a:rPr lang="ko-KR" altLang="en-US">
+                      <a:noFill/>
+                    </a:rPr>
+                    <a:t> </a:t>
+                  </a:r>
+                </a:p>
+              </p:txBody>
+            </p:sp>
+          </mc:Fallback>
+        </mc:AlternateContent>
+        <mc:AlternateContent xmlns:mc="http://schemas.openxmlformats.org/markup-compatibility/2006">
+          <mc:Choice xmlns:a14="http://schemas.microsoft.com/office/drawing/2010/main" Requires="a14">
+            <p:sp>
+              <p:nvSpPr>
+                <p:cNvPr id="134" name="원통형 133">
+                  <a:extLst>
+                    <a:ext uri="{FF2B5EF4-FFF2-40B4-BE49-F238E27FC236}">
+                      <a16:creationId xmlns:a16="http://schemas.microsoft.com/office/drawing/2014/main" id="{B725744A-6BA2-3465-E368-1013DBEC49FE}"/>
+                    </a:ext>
+                  </a:extLst>
+                </p:cNvPr>
+                <p:cNvSpPr/>
+                <p:nvPr/>
+              </p:nvSpPr>
+              <p:spPr>
+                <a:xfrm>
+                  <a:off x="3509186" y="3678645"/>
+                  <a:ext cx="1207192" cy="385011"/>
+                </a:xfrm>
+                <a:prstGeom prst="can">
+                  <a:avLst/>
+                </a:prstGeom>
+                <a:solidFill>
+                  <a:schemeClr val="accent1">
+                    <a:lumMod val="60000"/>
+                    <a:lumOff val="40000"/>
+                  </a:schemeClr>
+                </a:solidFill>
+                <a:ln>
+                  <a:solidFill>
+                    <a:schemeClr val="tx1"/>
+                  </a:solidFill>
+                </a:ln>
+              </p:spPr>
+              <p:style>
+                <a:lnRef idx="2">
+                  <a:schemeClr val="accent1">
+                    <a:shade val="50000"/>
+                  </a:schemeClr>
+                </a:lnRef>
+                <a:fillRef idx="1">
+                  <a:schemeClr val="accent1"/>
+                </a:fillRef>
+                <a:effectRef idx="0">
+                  <a:schemeClr val="accent1"/>
+                </a:effectRef>
+                <a:fontRef idx="minor">
+                  <a:schemeClr val="lt1"/>
+                </a:fontRef>
+              </p:style>
+              <p:txBody>
+                <a:bodyPr rtlCol="0" anchor="ctr"/>
+                <a:lstStyle/>
+                <a:p>
+                  <a:pPr algn="ctr"/>
+                  <a14:m>
+                    <m:oMath xmlns:m="http://schemas.openxmlformats.org/officeDocument/2006/math">
+                      <m:sSup>
+                        <m:sSupPr>
+                          <m:ctrlPr>
+                            <a:rPr lang="en-US" altLang="ko-KR" b="0" i="1" dirty="0" smtClean="0">
+                              <a:solidFill>
+                                <a:schemeClr val="tx1"/>
+                              </a:solidFill>
+                              <a:latin typeface="Cambria Math" panose="02040503050406030204" pitchFamily="18" charset="0"/>
+                            </a:rPr>
+                          </m:ctrlPr>
+                        </m:sSupPr>
+                        <m:e>
+                          <m:r>
+                            <a:rPr lang="en-US" altLang="ko-KR" b="0" i="1" dirty="0" smtClean="0">
+                              <a:solidFill>
+                                <a:schemeClr val="tx1"/>
+                              </a:solidFill>
+                              <a:latin typeface="Cambria Math" panose="02040503050406030204" pitchFamily="18" charset="0"/>
+                            </a:rPr>
+                            <m:t>|</m:t>
+                          </m:r>
+                          <m:r>
+                            <a:rPr lang="en-US" altLang="ko-KR" b="0" i="1" dirty="0" smtClean="0">
+                              <a:solidFill>
+                                <a:schemeClr val="tx1"/>
+                              </a:solidFill>
+                              <a:latin typeface="Cambria Math" panose="02040503050406030204" pitchFamily="18" charset="0"/>
+                            </a:rPr>
+                            <m:t>𝑆</m:t>
+                          </m:r>
+                        </m:e>
+                        <m:sup>
+                          <m:r>
+                            <a:rPr lang="en-US" altLang="ko-KR" b="0" i="1" dirty="0" smtClean="0">
+                              <a:solidFill>
+                                <a:schemeClr val="tx1"/>
+                              </a:solidFill>
+                              <a:latin typeface="Cambria Math" panose="02040503050406030204" pitchFamily="18" charset="0"/>
+                            </a:rPr>
+                            <m:t>𝑃</m:t>
+                          </m:r>
+                        </m:sup>
+                      </m:sSup>
+                      <m:r>
+                        <a:rPr lang="en-US" altLang="ko-KR" b="0" i="1" dirty="0" smtClean="0">
+                          <a:solidFill>
+                            <a:schemeClr val="tx1"/>
+                          </a:solidFill>
+                          <a:latin typeface="Cambria Math" panose="02040503050406030204" pitchFamily="18" charset="0"/>
+                        </a:rPr>
+                        <m:t>|</m:t>
+                      </m:r>
+                    </m:oMath>
+                  </a14:m>
+                  <a:r>
+                    <a:rPr lang="en-US" altLang="ko-KR" dirty="0">
+                      <a:solidFill>
+                        <a:schemeClr val="tx1"/>
+                      </a:solidFill>
+                    </a:rPr>
+                    <a:t>  </a:t>
+                  </a:r>
+                  <a:endParaRPr lang="ko-KR" altLang="en-US" dirty="0">
+                    <a:solidFill>
+                      <a:schemeClr val="tx1"/>
+                    </a:solidFill>
+                  </a:endParaRPr>
+                </a:p>
+              </p:txBody>
+            </p:sp>
+          </mc:Choice>
+          <mc:Fallback>
+            <p:sp>
+              <p:nvSpPr>
+                <p:cNvPr id="134" name="원통형 133">
+                  <a:extLst>
+                    <a:ext uri="{FF2B5EF4-FFF2-40B4-BE49-F238E27FC236}">
+                      <a16:creationId xmlns:a16="http://schemas.microsoft.com/office/drawing/2014/main" id="{B725744A-6BA2-3465-E368-1013DBEC49FE}"/>
+                    </a:ext>
+                  </a:extLst>
+                </p:cNvPr>
+                <p:cNvSpPr>
+                  <a:spLocks noRot="1" noChangeAspect="1" noMove="1" noResize="1" noEditPoints="1" noAdjustHandles="1" noChangeArrowheads="1" noChangeShapeType="1" noTextEdit="1"/>
+                </p:cNvSpPr>
+                <p:nvPr/>
+              </p:nvSpPr>
+              <p:spPr>
+                <a:xfrm>
+                  <a:off x="3509186" y="3678645"/>
+                  <a:ext cx="1207192" cy="385011"/>
+                </a:xfrm>
+                <a:prstGeom prst="can">
+                  <a:avLst/>
+                </a:prstGeom>
+                <a:blipFill>
+                  <a:blip r:embed="rId11"/>
+                  <a:stretch>
+                    <a:fillRect b="-18750"/>
+                  </a:stretch>
+                </a:blipFill>
+                <a:ln>
+                  <a:solidFill>
+                    <a:schemeClr val="tx1"/>
+                  </a:solidFill>
+                </a:ln>
+              </p:spPr>
+              <p:txBody>
+                <a:bodyPr/>
+                <a:lstStyle/>
+                <a:p>
+                  <a:r>
+                    <a:rPr lang="ko-KR" altLang="en-US">
+                      <a:noFill/>
+                    </a:rPr>
+                    <a:t> </a:t>
+                  </a:r>
+                </a:p>
+              </p:txBody>
+            </p:sp>
+          </mc:Fallback>
+        </mc:AlternateContent>
+        <p:sp>
+          <p:nvSpPr>
+            <p:cNvPr id="135" name="TextBox 134">
+              <a:extLst>
+                <a:ext uri="{FF2B5EF4-FFF2-40B4-BE49-F238E27FC236}">
+                  <a16:creationId xmlns:a16="http://schemas.microsoft.com/office/drawing/2014/main" id="{7FB5BA76-6D68-3510-8E8B-58ADAB1F03B2}"/>
+                </a:ext>
+              </a:extLst>
+            </p:cNvPr>
+            <p:cNvSpPr txBox="1"/>
+            <p:nvPr/>
+          </p:nvSpPr>
+          <p:spPr>
+            <a:xfrm>
+              <a:off x="3994801" y="2561636"/>
+              <a:ext cx="235962" cy="371192"/>
+            </a:xfrm>
+            <a:prstGeom prst="rect">
+              <a:avLst/>
+            </a:prstGeom>
+            <a:noFill/>
+          </p:spPr>
+          <p:txBody>
+            <a:bodyPr wrap="none" rtlCol="0">
+              <a:spAutoFit/>
+            </a:bodyPr>
+            <a:lstStyle/>
+            <a:p>
+              <a:pPr algn="ctr">
+                <a:lnSpc>
+                  <a:spcPct val="30000"/>
+                </a:lnSpc>
+              </a:pPr>
+              <a:r>
+                <a:rPr lang="en-US" altLang="ko-KR" dirty="0"/>
+                <a:t>.</a:t>
+              </a:r>
+            </a:p>
+            <a:p>
+              <a:pPr algn="ctr">
+                <a:lnSpc>
+                  <a:spcPct val="30000"/>
+                </a:lnSpc>
+              </a:pPr>
+              <a:r>
+                <a:rPr lang="en-US" altLang="ko-KR" dirty="0"/>
+                <a:t>.</a:t>
+              </a:r>
+            </a:p>
+            <a:p>
+              <a:pPr algn="ctr">
+                <a:lnSpc>
+                  <a:spcPct val="30000"/>
+                </a:lnSpc>
+              </a:pPr>
+              <a:r>
+                <a:rPr lang="en-US" altLang="ko-KR" dirty="0"/>
+                <a:t>.</a:t>
+              </a:r>
+            </a:p>
+          </p:txBody>
+        </p:sp>
+        <p:sp>
+          <p:nvSpPr>
+            <p:cNvPr id="136" name="TextBox 135">
+              <a:extLst>
+                <a:ext uri="{FF2B5EF4-FFF2-40B4-BE49-F238E27FC236}">
+                  <a16:creationId xmlns:a16="http://schemas.microsoft.com/office/drawing/2014/main" id="{23A0E09A-2DB6-BC6E-D283-7FD170F7EF03}"/>
+                </a:ext>
+              </a:extLst>
+            </p:cNvPr>
+            <p:cNvSpPr txBox="1"/>
+            <p:nvPr/>
+          </p:nvSpPr>
+          <p:spPr>
+            <a:xfrm>
+              <a:off x="3994801" y="3317839"/>
+              <a:ext cx="235962" cy="371192"/>
+            </a:xfrm>
+            <a:prstGeom prst="rect">
+              <a:avLst/>
+            </a:prstGeom>
+            <a:noFill/>
+          </p:spPr>
+          <p:txBody>
+            <a:bodyPr wrap="none" rtlCol="0">
+              <a:spAutoFit/>
+            </a:bodyPr>
+            <a:lstStyle/>
+            <a:p>
+              <a:pPr algn="ctr">
+                <a:lnSpc>
+                  <a:spcPct val="30000"/>
+                </a:lnSpc>
+              </a:pPr>
+              <a:r>
+                <a:rPr lang="en-US" altLang="ko-KR" dirty="0"/>
+                <a:t>.</a:t>
+              </a:r>
+            </a:p>
+            <a:p>
+              <a:pPr algn="ctr">
+                <a:lnSpc>
+                  <a:spcPct val="30000"/>
+                </a:lnSpc>
+              </a:pPr>
+              <a:r>
+                <a:rPr lang="en-US" altLang="ko-KR" dirty="0"/>
+                <a:t>.</a:t>
+              </a:r>
+            </a:p>
+            <a:p>
+              <a:pPr algn="ctr">
+                <a:lnSpc>
+                  <a:spcPct val="30000"/>
+                </a:lnSpc>
+              </a:pPr>
+              <a:r>
+                <a:rPr lang="en-US" altLang="ko-KR" dirty="0"/>
+                <a:t>.</a:t>
+              </a:r>
+            </a:p>
+          </p:txBody>
+        </p:sp>
+      </p:grpSp>
+      <p:cxnSp>
+        <p:nvCxnSpPr>
+          <p:cNvPr id="148" name="연결선: 꺾임 147">
+            <a:extLst>
+              <a:ext uri="{FF2B5EF4-FFF2-40B4-BE49-F238E27FC236}">
+                <a16:creationId xmlns:a16="http://schemas.microsoft.com/office/drawing/2014/main" id="{934ECFC5-091D-EB52-F9E2-B419E13BD07B}"/>
+              </a:ext>
+            </a:extLst>
+          </p:cNvPr>
+          <p:cNvCxnSpPr>
+            <a:stCxn id="132" idx="4"/>
+            <a:endCxn id="26" idx="1"/>
+          </p:cNvCxnSpPr>
+          <p:nvPr/>
+        </p:nvCxnSpPr>
+        <p:spPr>
+          <a:xfrm flipV="1">
+            <a:off x="4906513" y="797454"/>
+            <a:ext cx="1171733" cy="3513540"/>
+          </a:xfrm>
+          <a:prstGeom prst="bentConnector3">
+            <a:avLst>
+              <a:gd name="adj1" fmla="val 50000"/>
+            </a:avLst>
+          </a:prstGeom>
+          <a:ln w="25400">
+            <a:solidFill>
+              <a:schemeClr val="tx1"/>
+            </a:solidFill>
+            <a:tailEnd type="triangle"/>
+          </a:ln>
+        </p:spPr>
+        <p:style>
+          <a:lnRef idx="1">
+            <a:schemeClr val="accent1"/>
+          </a:lnRef>
+          <a:fillRef idx="0">
+            <a:schemeClr val="accent1"/>
+          </a:fillRef>
+          <a:effectRef idx="0">
+            <a:schemeClr val="accent1"/>
+          </a:effectRef>
+          <a:fontRef idx="minor">
+            <a:schemeClr val="tx1"/>
+          </a:fontRef>
+        </p:style>
+      </p:cxnSp>
+      <p:cxnSp>
+        <p:nvCxnSpPr>
+          <p:cNvPr id="150" name="연결선: 꺾임 149">
+            <a:extLst>
+              <a:ext uri="{FF2B5EF4-FFF2-40B4-BE49-F238E27FC236}">
+                <a16:creationId xmlns:a16="http://schemas.microsoft.com/office/drawing/2014/main" id="{445E4AD1-8AE1-EF9B-A26C-2760E9C733B9}"/>
+              </a:ext>
+            </a:extLst>
+          </p:cNvPr>
+          <p:cNvCxnSpPr>
+            <a:stCxn id="133" idx="4"/>
+            <a:endCxn id="28" idx="1"/>
+          </p:cNvCxnSpPr>
+          <p:nvPr/>
+        </p:nvCxnSpPr>
+        <p:spPr>
+          <a:xfrm flipV="1">
+            <a:off x="4912374" y="1547905"/>
+            <a:ext cx="1165872" cy="3510267"/>
+          </a:xfrm>
+          <a:prstGeom prst="bentConnector3">
+            <a:avLst>
+              <a:gd name="adj1" fmla="val 63889"/>
+            </a:avLst>
+          </a:prstGeom>
+          <a:ln w="25400">
+            <a:solidFill>
+              <a:schemeClr val="tx1"/>
+            </a:solidFill>
+            <a:tailEnd type="triangle"/>
+          </a:ln>
+        </p:spPr>
+        <p:style>
+          <a:lnRef idx="1">
+            <a:schemeClr val="accent1"/>
+          </a:lnRef>
+          <a:fillRef idx="0">
+            <a:schemeClr val="accent1"/>
+          </a:fillRef>
+          <a:effectRef idx="0">
+            <a:schemeClr val="accent1"/>
+          </a:effectRef>
+          <a:fontRef idx="minor">
+            <a:schemeClr val="tx1"/>
+          </a:fontRef>
+        </p:style>
+      </p:cxnSp>
+      <p:cxnSp>
+        <p:nvCxnSpPr>
+          <p:cNvPr id="157" name="연결선: 꺾임 156">
+            <a:extLst>
+              <a:ext uri="{FF2B5EF4-FFF2-40B4-BE49-F238E27FC236}">
+                <a16:creationId xmlns:a16="http://schemas.microsoft.com/office/drawing/2014/main" id="{BDA071FF-C334-38EB-8DAD-22C220EF1D6B}"/>
+              </a:ext>
+            </a:extLst>
+          </p:cNvPr>
+          <p:cNvCxnSpPr>
+            <a:stCxn id="134" idx="4"/>
+            <a:endCxn id="30" idx="1"/>
+          </p:cNvCxnSpPr>
+          <p:nvPr/>
+        </p:nvCxnSpPr>
+        <p:spPr>
+          <a:xfrm flipV="1">
+            <a:off x="4906513" y="2261007"/>
+            <a:ext cx="1171734" cy="3522597"/>
+          </a:xfrm>
+          <a:prstGeom prst="bentConnector3">
+            <a:avLst>
+              <a:gd name="adj1" fmla="val 77639"/>
+            </a:avLst>
+          </a:prstGeom>
+          <a:ln w="25400">
+            <a:solidFill>
+              <a:schemeClr val="tx1"/>
+            </a:solidFill>
+            <a:tailEnd type="triangle"/>
+          </a:ln>
+        </p:spPr>
+        <p:style>
+          <a:lnRef idx="1">
+            <a:schemeClr val="accent1"/>
+          </a:lnRef>
+          <a:fillRef idx="0">
+            <a:schemeClr val="accent1"/>
+          </a:fillRef>
+          <a:effectRef idx="0">
+            <a:schemeClr val="accent1"/>
+          </a:effectRef>
+          <a:fontRef idx="minor">
+            <a:schemeClr val="tx1"/>
+          </a:fontRef>
+        </p:style>
+      </p:cxnSp>
+      <p:cxnSp>
+        <p:nvCxnSpPr>
+          <p:cNvPr id="160" name="연결선: 꺾임 159">
+            <a:extLst>
+              <a:ext uri="{FF2B5EF4-FFF2-40B4-BE49-F238E27FC236}">
+                <a16:creationId xmlns:a16="http://schemas.microsoft.com/office/drawing/2014/main" id="{1D36F4D6-A0EA-8FA7-C9FE-EDBB87926972}"/>
+              </a:ext>
+            </a:extLst>
+          </p:cNvPr>
+          <p:cNvCxnSpPr>
+            <a:cxnSpLocks/>
+            <a:stCxn id="131" idx="2"/>
+            <a:endCxn id="59" idx="3"/>
+          </p:cNvCxnSpPr>
+          <p:nvPr/>
+        </p:nvCxnSpPr>
+        <p:spPr>
+          <a:xfrm rot="5400000" flipH="1" flipV="1">
+            <a:off x="4897148" y="2384639"/>
+            <a:ext cx="3248497" cy="4407005"/>
+          </a:xfrm>
+          <a:prstGeom prst="bentConnector4">
+            <a:avLst>
+              <a:gd name="adj1" fmla="val -7037"/>
+              <a:gd name="adj2" fmla="val 105187"/>
+            </a:avLst>
+          </a:prstGeom>
+          <a:ln w="38100">
+            <a:solidFill>
+              <a:schemeClr val="tx1"/>
+            </a:solidFill>
+            <a:tailEnd type="triangle"/>
+          </a:ln>
+        </p:spPr>
+        <p:style>
+          <a:lnRef idx="1">
+            <a:schemeClr val="accent1"/>
+          </a:lnRef>
+          <a:fillRef idx="0">
+            <a:schemeClr val="accent1"/>
+          </a:fillRef>
+          <a:effectRef idx="0">
+            <a:schemeClr val="accent1"/>
+          </a:effectRef>
+          <a:fontRef idx="minor">
+            <a:schemeClr val="tx1"/>
+          </a:fontRef>
+        </p:style>
+      </p:cxnSp>
+      <p:cxnSp>
+        <p:nvCxnSpPr>
+          <p:cNvPr id="164" name="연결선: 꺾임 163">
+            <a:extLst>
+              <a:ext uri="{FF2B5EF4-FFF2-40B4-BE49-F238E27FC236}">
+                <a16:creationId xmlns:a16="http://schemas.microsoft.com/office/drawing/2014/main" id="{0782187B-8366-DB35-6461-963EA6E4AE4F}"/>
+              </a:ext>
+            </a:extLst>
+          </p:cNvPr>
+          <p:cNvCxnSpPr>
+            <a:stCxn id="5" idx="2"/>
+            <a:endCxn id="132" idx="2"/>
+          </p:cNvCxnSpPr>
+          <p:nvPr/>
+        </p:nvCxnSpPr>
+        <p:spPr>
+          <a:xfrm rot="10800000" flipV="1">
+            <a:off x="3722959" y="940780"/>
+            <a:ext cx="12700" cy="3370213"/>
+          </a:xfrm>
+          <a:prstGeom prst="bentConnector3">
+            <a:avLst>
+              <a:gd name="adj1" fmla="val 1800000"/>
+            </a:avLst>
+          </a:prstGeom>
+          <a:ln w="12700">
+            <a:solidFill>
+              <a:schemeClr val="tx1"/>
+            </a:solidFill>
+            <a:prstDash val="dash"/>
+          </a:ln>
+        </p:spPr>
+        <p:style>
+          <a:lnRef idx="1">
+            <a:schemeClr val="accent1"/>
+          </a:lnRef>
+          <a:fillRef idx="0">
+            <a:schemeClr val="accent1"/>
+          </a:fillRef>
+          <a:effectRef idx="0">
+            <a:schemeClr val="accent1"/>
+          </a:effectRef>
+          <a:fontRef idx="minor">
+            <a:schemeClr val="tx1"/>
+          </a:fontRef>
+        </p:style>
+      </p:cxnSp>
+      <p:cxnSp>
+        <p:nvCxnSpPr>
+          <p:cNvPr id="166" name="연결선: 꺾임 165">
+            <a:extLst>
+              <a:ext uri="{FF2B5EF4-FFF2-40B4-BE49-F238E27FC236}">
+                <a16:creationId xmlns:a16="http://schemas.microsoft.com/office/drawing/2014/main" id="{507EF475-50E0-8254-C834-D2CBE83A8817}"/>
+              </a:ext>
+            </a:extLst>
+          </p:cNvPr>
+          <p:cNvCxnSpPr>
+            <a:stCxn id="13" idx="2"/>
+            <a:endCxn id="133" idx="2"/>
+          </p:cNvCxnSpPr>
+          <p:nvPr/>
+        </p:nvCxnSpPr>
+        <p:spPr>
+          <a:xfrm rot="10800000" flipV="1">
+            <a:off x="3728820" y="1687958"/>
+            <a:ext cx="12700" cy="3370213"/>
+          </a:xfrm>
+          <a:prstGeom prst="bentConnector3">
+            <a:avLst>
+              <a:gd name="adj1" fmla="val 2550000"/>
+            </a:avLst>
+          </a:prstGeom>
+          <a:ln w="12700">
+            <a:solidFill>
+              <a:schemeClr val="tx1"/>
+            </a:solidFill>
+            <a:prstDash val="dash"/>
+          </a:ln>
+        </p:spPr>
+        <p:style>
+          <a:lnRef idx="1">
+            <a:schemeClr val="accent1"/>
+          </a:lnRef>
+          <a:fillRef idx="0">
+            <a:schemeClr val="accent1"/>
+          </a:fillRef>
+          <a:effectRef idx="0">
+            <a:schemeClr val="accent1"/>
+          </a:effectRef>
+          <a:fontRef idx="minor">
+            <a:schemeClr val="tx1"/>
+          </a:fontRef>
+        </p:style>
+      </p:cxnSp>
+      <p:cxnSp>
+        <p:nvCxnSpPr>
+          <p:cNvPr id="169" name="연결선: 꺾임 168">
+            <a:extLst>
+              <a:ext uri="{FF2B5EF4-FFF2-40B4-BE49-F238E27FC236}">
+                <a16:creationId xmlns:a16="http://schemas.microsoft.com/office/drawing/2014/main" id="{9535E056-51C9-3A9D-BC47-60E488C76E03}"/>
+              </a:ext>
+            </a:extLst>
+          </p:cNvPr>
+          <p:cNvCxnSpPr>
+            <a:stCxn id="16" idx="2"/>
+            <a:endCxn id="134" idx="2"/>
+          </p:cNvCxnSpPr>
+          <p:nvPr/>
+        </p:nvCxnSpPr>
+        <p:spPr>
+          <a:xfrm rot="10800000" flipV="1">
+            <a:off x="3722959" y="2413390"/>
+            <a:ext cx="12700" cy="3370213"/>
+          </a:xfrm>
+          <a:prstGeom prst="bentConnector3">
+            <a:avLst>
+              <a:gd name="adj1" fmla="val 3225000"/>
+            </a:avLst>
+          </a:prstGeom>
+          <a:ln w="12700">
+            <a:solidFill>
+              <a:schemeClr val="tx1"/>
+            </a:solidFill>
+            <a:prstDash val="dash"/>
+          </a:ln>
+        </p:spPr>
+        <p:style>
+          <a:lnRef idx="1">
+            <a:schemeClr val="accent1"/>
+          </a:lnRef>
+          <a:fillRef idx="0">
+            <a:schemeClr val="accent1"/>
+          </a:fillRef>
+          <a:effectRef idx="0">
+            <a:schemeClr val="accent1"/>
+          </a:effectRef>
+          <a:fontRef idx="minor">
+            <a:schemeClr val="tx1"/>
+          </a:fontRef>
+        </p:style>
+      </p:cxnSp>
+      <p:sp>
+        <p:nvSpPr>
+          <p:cNvPr id="174" name="TextBox 173">
+            <a:extLst>
+              <a:ext uri="{FF2B5EF4-FFF2-40B4-BE49-F238E27FC236}">
+                <a16:creationId xmlns:a16="http://schemas.microsoft.com/office/drawing/2014/main" id="{82A92DE5-4BD2-A81F-D58D-1651B480D62E}"/>
+              </a:ext>
+            </a:extLst>
+          </p:cNvPr>
+          <p:cNvSpPr txBox="1"/>
+          <p:nvPr/>
+        </p:nvSpPr>
+        <p:spPr>
+          <a:xfrm>
+            <a:off x="8951806" y="3894036"/>
+            <a:ext cx="582211" cy="369332"/>
+          </a:xfrm>
+          <a:prstGeom prst="rect">
+            <a:avLst/>
+          </a:prstGeom>
+          <a:noFill/>
+        </p:spPr>
+        <p:txBody>
+          <a:bodyPr wrap="none" rtlCol="0">
+            <a:spAutoFit/>
+          </a:bodyPr>
+          <a:lstStyle/>
+          <a:p>
+            <a:pPr algn="ctr"/>
+            <a:r>
+              <a:rPr lang="en-US" altLang="ko-KR" dirty="0"/>
+              <a:t>SC2</a:t>
+            </a:r>
+          </a:p>
+        </p:txBody>
+      </p:sp>
+      <p:sp>
+        <p:nvSpPr>
+          <p:cNvPr id="175" name="TextBox 174">
+            <a:extLst>
+              <a:ext uri="{FF2B5EF4-FFF2-40B4-BE49-F238E27FC236}">
+                <a16:creationId xmlns:a16="http://schemas.microsoft.com/office/drawing/2014/main" id="{360FCADE-B780-3230-8CE0-D90AA16A92AA}"/>
+              </a:ext>
+            </a:extLst>
+          </p:cNvPr>
+          <p:cNvSpPr txBox="1"/>
+          <p:nvPr/>
+        </p:nvSpPr>
+        <p:spPr>
+          <a:xfrm>
+            <a:off x="5814444" y="3903488"/>
+            <a:ext cx="582211" cy="369332"/>
+          </a:xfrm>
+          <a:prstGeom prst="rect">
+            <a:avLst/>
+          </a:prstGeom>
+          <a:noFill/>
+        </p:spPr>
+        <p:txBody>
+          <a:bodyPr wrap="none" rtlCol="0">
+            <a:spAutoFit/>
+          </a:bodyPr>
+          <a:lstStyle/>
+          <a:p>
+            <a:pPr algn="ctr"/>
+            <a:r>
+              <a:rPr lang="en-US" altLang="ko-KR" dirty="0"/>
+              <a:t>SC1</a:t>
+            </a:r>
+          </a:p>
+        </p:txBody>
+      </p:sp>
+      <p:cxnSp>
+        <p:nvCxnSpPr>
+          <p:cNvPr id="178" name="직선 화살표 연결선 177">
+            <a:extLst>
+              <a:ext uri="{FF2B5EF4-FFF2-40B4-BE49-F238E27FC236}">
+                <a16:creationId xmlns:a16="http://schemas.microsoft.com/office/drawing/2014/main" id="{D380F5C3-1A62-63B0-6436-0C82B1DC65A7}"/>
+              </a:ext>
+            </a:extLst>
+          </p:cNvPr>
+          <p:cNvCxnSpPr>
+            <a:cxnSpLocks/>
+          </p:cNvCxnSpPr>
+          <p:nvPr/>
+        </p:nvCxnSpPr>
+        <p:spPr>
+          <a:xfrm>
+            <a:off x="1280230" y="2699423"/>
+            <a:ext cx="0" cy="1478204"/>
+          </a:xfrm>
+          <a:prstGeom prst="straightConnector1">
+            <a:avLst/>
+          </a:prstGeom>
+          <a:ln w="38100">
+            <a:tailEnd type="triangle"/>
+          </a:ln>
+        </p:spPr>
+        <p:style>
+          <a:lnRef idx="1">
+            <a:schemeClr val="dk1"/>
+          </a:lnRef>
+          <a:fillRef idx="0">
+            <a:schemeClr val="dk1"/>
+          </a:fillRef>
+          <a:effectRef idx="0">
+            <a:schemeClr val="dk1"/>
+          </a:effectRef>
+          <a:fontRef idx="minor">
+            <a:schemeClr val="tx1"/>
+          </a:fontRef>
+        </p:style>
+      </p:cxnSp>
+      <p:sp>
+        <p:nvSpPr>
+          <p:cNvPr id="180" name="TextBox 179">
+            <a:extLst>
+              <a:ext uri="{FF2B5EF4-FFF2-40B4-BE49-F238E27FC236}">
+                <a16:creationId xmlns:a16="http://schemas.microsoft.com/office/drawing/2014/main" id="{EF6E1A80-8153-D31D-F4E1-607C991EFA32}"/>
+              </a:ext>
+            </a:extLst>
+          </p:cNvPr>
+          <p:cNvSpPr txBox="1"/>
+          <p:nvPr/>
+        </p:nvSpPr>
+        <p:spPr>
+          <a:xfrm>
+            <a:off x="1361383" y="3211010"/>
+            <a:ext cx="1208985" cy="646331"/>
+          </a:xfrm>
+          <a:prstGeom prst="rect">
+            <a:avLst/>
+          </a:prstGeom>
+          <a:noFill/>
+        </p:spPr>
+        <p:txBody>
+          <a:bodyPr wrap="none" rtlCol="0">
+            <a:spAutoFit/>
+          </a:bodyPr>
+          <a:lstStyle/>
+          <a:p>
+            <a:pPr algn="ctr"/>
+            <a:r>
+              <a:rPr lang="en-US" altLang="ko-KR" dirty="0"/>
+              <a:t>Feature </a:t>
+            </a:r>
+          </a:p>
+          <a:p>
+            <a:pPr algn="ctr"/>
+            <a:r>
+              <a:rPr lang="en-US" altLang="ko-KR" dirty="0"/>
+              <a:t>Extraction</a:t>
+            </a:r>
+          </a:p>
+        </p:txBody>
+      </p:sp>
+      <p:sp>
+        <p:nvSpPr>
+          <p:cNvPr id="184" name="TextBox 183">
+            <a:extLst>
+              <a:ext uri="{FF2B5EF4-FFF2-40B4-BE49-F238E27FC236}">
+                <a16:creationId xmlns:a16="http://schemas.microsoft.com/office/drawing/2014/main" id="{8A1E1A35-AA86-1099-7E40-C3A766145D7C}"/>
+              </a:ext>
+            </a:extLst>
+          </p:cNvPr>
+          <p:cNvSpPr txBox="1"/>
+          <p:nvPr/>
+        </p:nvSpPr>
+        <p:spPr>
+          <a:xfrm>
+            <a:off x="59311" y="143589"/>
+            <a:ext cx="2492990" cy="369332"/>
+          </a:xfrm>
+          <a:prstGeom prst="rect">
+            <a:avLst/>
+          </a:prstGeom>
+          <a:noFill/>
+        </p:spPr>
+        <p:txBody>
+          <a:bodyPr wrap="none" rtlCol="0">
+            <a:spAutoFit/>
+          </a:bodyPr>
+          <a:lstStyle/>
+          <a:p>
+            <a:pPr algn="ctr"/>
+            <a:r>
+              <a:rPr lang="en-US" altLang="ko-KR" dirty="0"/>
+              <a:t>&lt;Original dimension&gt;</a:t>
+            </a:r>
+            <a:endParaRPr lang="ko-KR" altLang="en-US" dirty="0"/>
+          </a:p>
+        </p:txBody>
+      </p:sp>
+      <p:sp>
+        <p:nvSpPr>
+          <p:cNvPr id="185" name="TextBox 184">
+            <a:extLst>
+              <a:ext uri="{FF2B5EF4-FFF2-40B4-BE49-F238E27FC236}">
+                <a16:creationId xmlns:a16="http://schemas.microsoft.com/office/drawing/2014/main" id="{12FBB06F-1076-0E68-72BB-348D089D7523}"/>
+              </a:ext>
+            </a:extLst>
+          </p:cNvPr>
+          <p:cNvSpPr txBox="1"/>
+          <p:nvPr/>
+        </p:nvSpPr>
+        <p:spPr>
+          <a:xfrm>
+            <a:off x="-47207" y="6225084"/>
+            <a:ext cx="2516971" cy="369332"/>
+          </a:xfrm>
+          <a:prstGeom prst="rect">
+            <a:avLst/>
+          </a:prstGeom>
+          <a:noFill/>
+        </p:spPr>
+        <p:txBody>
+          <a:bodyPr wrap="none" rtlCol="0">
+            <a:spAutoFit/>
+          </a:bodyPr>
+          <a:lstStyle/>
+          <a:p>
+            <a:pPr algn="ctr"/>
+            <a:r>
+              <a:rPr lang="en-US" altLang="ko-KR" dirty="0"/>
+              <a:t>&lt;Feature dimension&gt;</a:t>
+            </a:r>
+            <a:endParaRPr lang="ko-KR" altLang="en-US" dirty="0"/>
+          </a:p>
+        </p:txBody>
+      </p:sp>
+      <p:pic>
+        <p:nvPicPr>
+          <p:cNvPr id="186" name="그림 185">
+            <a:extLst>
+              <a:ext uri="{FF2B5EF4-FFF2-40B4-BE49-F238E27FC236}">
+                <a16:creationId xmlns:a16="http://schemas.microsoft.com/office/drawing/2014/main" id="{D5D1276E-6F9E-80C0-43AB-B896B4C4F090}"/>
+              </a:ext>
+            </a:extLst>
+          </p:cNvPr>
+          <p:cNvPicPr>
+            <a:picLocks noChangeAspect="1"/>
+          </p:cNvPicPr>
+          <p:nvPr/>
+        </p:nvPicPr>
+        <p:blipFill>
+          <a:blip r:embed="rId12">
+            <a:extLst>
+              <a:ext uri="{28A0092B-C50C-407E-A947-70E740481C1C}">
+                <a14:useLocalDpi xmlns:a14="http://schemas.microsoft.com/office/drawing/2010/main" val="0"/>
+              </a:ext>
+            </a:extLst>
+          </a:blip>
+          <a:stretch>
+            <a:fillRect/>
+          </a:stretch>
+        </p:blipFill>
+        <p:spPr>
+          <a:xfrm>
+            <a:off x="5910530" y="4258111"/>
+            <a:ext cx="2651433" cy="2045390"/>
+          </a:xfrm>
+          <a:prstGeom prst="rect">
+            <a:avLst/>
+          </a:prstGeom>
+        </p:spPr>
+      </p:pic>
+      <p:pic>
+        <p:nvPicPr>
+          <p:cNvPr id="187" name="그림 186">
+            <a:extLst>
+              <a:ext uri="{FF2B5EF4-FFF2-40B4-BE49-F238E27FC236}">
+                <a16:creationId xmlns:a16="http://schemas.microsoft.com/office/drawing/2014/main" id="{120A74FD-D80C-BDB4-8728-DD9CE8DBE99B}"/>
+              </a:ext>
+            </a:extLst>
+          </p:cNvPr>
+          <p:cNvPicPr>
+            <a:picLocks noChangeAspect="1"/>
+          </p:cNvPicPr>
+          <p:nvPr/>
+        </p:nvPicPr>
+        <p:blipFill>
+          <a:blip r:embed="rId13">
+            <a:extLst>
+              <a:ext uri="{28A0092B-C50C-407E-A947-70E740481C1C}">
+                <a14:useLocalDpi xmlns:a14="http://schemas.microsoft.com/office/drawing/2010/main" val="0"/>
+              </a:ext>
+            </a:extLst>
+          </a:blip>
+          <a:stretch>
+            <a:fillRect/>
+          </a:stretch>
+        </p:blipFill>
+        <p:spPr>
+          <a:xfrm>
+            <a:off x="9061883" y="4279118"/>
+            <a:ext cx="2129991" cy="2057481"/>
+          </a:xfrm>
+          <a:prstGeom prst="rect">
+            <a:avLst/>
+          </a:prstGeom>
+        </p:spPr>
+      </p:pic>
+      <p:sp>
+        <p:nvSpPr>
+          <p:cNvPr id="190" name="왼쪽 대괄호 189">
+            <a:extLst>
+              <a:ext uri="{FF2B5EF4-FFF2-40B4-BE49-F238E27FC236}">
+                <a16:creationId xmlns:a16="http://schemas.microsoft.com/office/drawing/2014/main" id="{26C58F2B-7FCB-4738-3794-A2D037135705}"/>
+              </a:ext>
+            </a:extLst>
+          </p:cNvPr>
+          <p:cNvSpPr/>
+          <p:nvPr/>
+        </p:nvSpPr>
+        <p:spPr>
+          <a:xfrm rot="10800000">
+            <a:off x="9043324" y="519437"/>
+            <a:ext cx="70009" cy="2682048"/>
+          </a:xfrm>
+          <a:prstGeom prst="leftBracket">
+            <a:avLst/>
+          </a:prstGeom>
+          <a:ln w="38100">
+            <a:solidFill>
+              <a:schemeClr val="tx1"/>
+            </a:solidFill>
+          </a:ln>
+        </p:spPr>
+        <p:style>
+          <a:lnRef idx="1">
+            <a:schemeClr val="accent1"/>
+          </a:lnRef>
+          <a:fillRef idx="0">
+            <a:schemeClr val="accent1"/>
+          </a:fillRef>
+          <a:effectRef idx="0">
+            <a:schemeClr val="accent1"/>
+          </a:effectRef>
+          <a:fontRef idx="minor">
+            <a:schemeClr val="tx1"/>
+          </a:fontRef>
+        </p:style>
+        <p:txBody>
+          <a:bodyPr rtlCol="0" anchor="ctr"/>
+          <a:lstStyle/>
+          <a:p>
+            <a:pPr algn="ctr"/>
+            <a:endParaRPr lang="ko-KR" altLang="en-US"/>
+          </a:p>
+        </p:txBody>
+      </p:sp>
+      <p:sp>
+        <p:nvSpPr>
+          <p:cNvPr id="191" name="왼쪽 대괄호 190">
+            <a:extLst>
+              <a:ext uri="{FF2B5EF4-FFF2-40B4-BE49-F238E27FC236}">
+                <a16:creationId xmlns:a16="http://schemas.microsoft.com/office/drawing/2014/main" id="{97C17EBF-2B81-1B54-CCFD-A047C2742BDD}"/>
+              </a:ext>
+            </a:extLst>
+          </p:cNvPr>
+          <p:cNvSpPr/>
+          <p:nvPr/>
+        </p:nvSpPr>
+        <p:spPr>
+          <a:xfrm>
+            <a:off x="3215449" y="519437"/>
+            <a:ext cx="70009" cy="2682048"/>
+          </a:xfrm>
+          <a:prstGeom prst="leftBracket">
+            <a:avLst/>
+          </a:prstGeom>
+          <a:ln w="38100">
+            <a:solidFill>
+              <a:schemeClr val="tx1"/>
+            </a:solidFill>
+          </a:ln>
+        </p:spPr>
+        <p:style>
+          <a:lnRef idx="1">
+            <a:schemeClr val="accent1"/>
+          </a:lnRef>
+          <a:fillRef idx="0">
+            <a:schemeClr val="accent1"/>
+          </a:fillRef>
+          <a:effectRef idx="0">
+            <a:schemeClr val="accent1"/>
+          </a:effectRef>
+          <a:fontRef idx="minor">
+            <a:schemeClr val="tx1"/>
+          </a:fontRef>
+        </p:style>
+        <p:txBody>
+          <a:bodyPr rtlCol="0" anchor="ctr"/>
+          <a:lstStyle/>
+          <a:p>
+            <a:pPr algn="ctr"/>
+            <a:endParaRPr lang="ko-KR" altLang="en-US"/>
+          </a:p>
+        </p:txBody>
+      </p:sp>
+    </p:spTree>
+    <p:extLst>
+      <p:ext uri="{BB962C8B-B14F-4D97-AF65-F5344CB8AC3E}">
+        <p14:creationId xmlns:p14="http://schemas.microsoft.com/office/powerpoint/2010/main" val="3591658030"/>
       </p:ext>
     </p:extLst>
   </p:cSld>

--- a/22-2학기 수업/인공지능_데이터 마이닝/모델.pptx
+++ b/22-2학기 수업/인공지능_데이터 마이닝/모델.pptx
@@ -260,7 +260,7 @@
           <a:p>
             <a:fld id="{3DC75FB1-EC70-4F20-9DE6-4EFF0004D82C}" type="datetimeFigureOut">
               <a:rPr lang="ko-KR" altLang="en-US" smtClean="0"/>
-              <a:t>2022-12-12</a:t>
+              <a:t>2022-12-14</a:t>
             </a:fld>
             <a:endParaRPr lang="ko-KR" altLang="en-US"/>
           </a:p>
@@ -458,7 +458,7 @@
           <a:p>
             <a:fld id="{3DC75FB1-EC70-4F20-9DE6-4EFF0004D82C}" type="datetimeFigureOut">
               <a:rPr lang="ko-KR" altLang="en-US" smtClean="0"/>
-              <a:t>2022-12-12</a:t>
+              <a:t>2022-12-14</a:t>
             </a:fld>
             <a:endParaRPr lang="ko-KR" altLang="en-US"/>
           </a:p>
@@ -666,7 +666,7 @@
           <a:p>
             <a:fld id="{3DC75FB1-EC70-4F20-9DE6-4EFF0004D82C}" type="datetimeFigureOut">
               <a:rPr lang="ko-KR" altLang="en-US" smtClean="0"/>
-              <a:t>2022-12-12</a:t>
+              <a:t>2022-12-14</a:t>
             </a:fld>
             <a:endParaRPr lang="ko-KR" altLang="en-US"/>
           </a:p>
@@ -864,7 +864,7 @@
           <a:p>
             <a:fld id="{3DC75FB1-EC70-4F20-9DE6-4EFF0004D82C}" type="datetimeFigureOut">
               <a:rPr lang="ko-KR" altLang="en-US" smtClean="0"/>
-              <a:t>2022-12-12</a:t>
+              <a:t>2022-12-14</a:t>
             </a:fld>
             <a:endParaRPr lang="ko-KR" altLang="en-US"/>
           </a:p>
@@ -1139,7 +1139,7 @@
           <a:p>
             <a:fld id="{3DC75FB1-EC70-4F20-9DE6-4EFF0004D82C}" type="datetimeFigureOut">
               <a:rPr lang="ko-KR" altLang="en-US" smtClean="0"/>
-              <a:t>2022-12-12</a:t>
+              <a:t>2022-12-14</a:t>
             </a:fld>
             <a:endParaRPr lang="ko-KR" altLang="en-US"/>
           </a:p>
@@ -1404,7 +1404,7 @@
           <a:p>
             <a:fld id="{3DC75FB1-EC70-4F20-9DE6-4EFF0004D82C}" type="datetimeFigureOut">
               <a:rPr lang="ko-KR" altLang="en-US" smtClean="0"/>
-              <a:t>2022-12-12</a:t>
+              <a:t>2022-12-14</a:t>
             </a:fld>
             <a:endParaRPr lang="ko-KR" altLang="en-US"/>
           </a:p>
@@ -1816,7 +1816,7 @@
           <a:p>
             <a:fld id="{3DC75FB1-EC70-4F20-9DE6-4EFF0004D82C}" type="datetimeFigureOut">
               <a:rPr lang="ko-KR" altLang="en-US" smtClean="0"/>
-              <a:t>2022-12-12</a:t>
+              <a:t>2022-12-14</a:t>
             </a:fld>
             <a:endParaRPr lang="ko-KR" altLang="en-US"/>
           </a:p>
@@ -1957,7 +1957,7 @@
           <a:p>
             <a:fld id="{3DC75FB1-EC70-4F20-9DE6-4EFF0004D82C}" type="datetimeFigureOut">
               <a:rPr lang="ko-KR" altLang="en-US" smtClean="0"/>
-              <a:t>2022-12-12</a:t>
+              <a:t>2022-12-14</a:t>
             </a:fld>
             <a:endParaRPr lang="ko-KR" altLang="en-US"/>
           </a:p>
@@ -2070,7 +2070,7 @@
           <a:p>
             <a:fld id="{3DC75FB1-EC70-4F20-9DE6-4EFF0004D82C}" type="datetimeFigureOut">
               <a:rPr lang="ko-KR" altLang="en-US" smtClean="0"/>
-              <a:t>2022-12-12</a:t>
+              <a:t>2022-12-14</a:t>
             </a:fld>
             <a:endParaRPr lang="ko-KR" altLang="en-US"/>
           </a:p>
@@ -2381,7 +2381,7 @@
           <a:p>
             <a:fld id="{3DC75FB1-EC70-4F20-9DE6-4EFF0004D82C}" type="datetimeFigureOut">
               <a:rPr lang="ko-KR" altLang="en-US" smtClean="0"/>
-              <a:t>2022-12-12</a:t>
+              <a:t>2022-12-14</a:t>
             </a:fld>
             <a:endParaRPr lang="ko-KR" altLang="en-US"/>
           </a:p>
@@ -2669,7 +2669,7 @@
           <a:p>
             <a:fld id="{3DC75FB1-EC70-4F20-9DE6-4EFF0004D82C}" type="datetimeFigureOut">
               <a:rPr lang="ko-KR" altLang="en-US" smtClean="0"/>
-              <a:t>2022-12-12</a:t>
+              <a:t>2022-12-14</a:t>
             </a:fld>
             <a:endParaRPr lang="ko-KR" altLang="en-US"/>
           </a:p>
@@ -2910,7 +2910,7 @@
           <a:p>
             <a:fld id="{3DC75FB1-EC70-4F20-9DE6-4EFF0004D82C}" type="datetimeFigureOut">
               <a:rPr lang="ko-KR" altLang="en-US" smtClean="0"/>
-              <a:t>2022-12-12</a:t>
+              <a:t>2022-12-14</a:t>
             </a:fld>
             <a:endParaRPr lang="ko-KR" altLang="en-US"/>
           </a:p>
@@ -4764,8 +4764,8 @@
           </a:p>
         </p:txBody>
       </p:sp>
-      <mc:AlternateContent xmlns:mc="http://schemas.openxmlformats.org/markup-compatibility/2006">
-        <mc:Choice xmlns:a14="http://schemas.microsoft.com/office/drawing/2010/main" Requires="a14">
+      <mc:AlternateContent xmlns:mc="http://schemas.openxmlformats.org/markup-compatibility/2006" xmlns:a14="http://schemas.microsoft.com/office/drawing/2010/main">
+        <mc:Choice Requires="a14">
           <p:sp>
             <p:nvSpPr>
               <p:cNvPr id="4" name="원통형 3">
@@ -4856,7 +4856,7 @@
             </p:txBody>
           </p:sp>
         </mc:Choice>
-        <mc:Fallback>
+        <mc:Fallback xmlns="">
           <p:sp>
             <p:nvSpPr>
               <p:cNvPr id="4" name="원통형 3">
@@ -5030,8 +5030,8 @@
             </a:p>
           </p:txBody>
         </p:sp>
-        <mc:AlternateContent xmlns:mc="http://schemas.openxmlformats.org/markup-compatibility/2006">
-          <mc:Choice xmlns:a14="http://schemas.microsoft.com/office/drawing/2010/main" Requires="a14">
+        <mc:AlternateContent xmlns:mc="http://schemas.openxmlformats.org/markup-compatibility/2006" xmlns:a14="http://schemas.microsoft.com/office/drawing/2010/main">
+          <mc:Choice Requires="a14">
             <p:sp>
               <p:nvSpPr>
                 <p:cNvPr id="5" name="원통형 4">
@@ -5158,7 +5158,7 @@
               </p:txBody>
             </p:sp>
           </mc:Choice>
-          <mc:Fallback>
+          <mc:Fallback xmlns="">
             <p:sp>
               <p:nvSpPr>
                 <p:cNvPr id="5" name="원통형 4">
@@ -5208,8 +5208,8 @@
             </p:sp>
           </mc:Fallback>
         </mc:AlternateContent>
-        <mc:AlternateContent xmlns:mc="http://schemas.openxmlformats.org/markup-compatibility/2006">
-          <mc:Choice xmlns:a14="http://schemas.microsoft.com/office/drawing/2010/main" Requires="a14">
+        <mc:AlternateContent xmlns:mc="http://schemas.openxmlformats.org/markup-compatibility/2006" xmlns:a14="http://schemas.microsoft.com/office/drawing/2010/main">
+          <mc:Choice Requires="a14">
             <p:sp>
               <p:nvSpPr>
                 <p:cNvPr id="13" name="원통형 12">
@@ -5336,7 +5336,7 @@
               </p:txBody>
             </p:sp>
           </mc:Choice>
-          <mc:Fallback>
+          <mc:Fallback xmlns="">
             <p:sp>
               <p:nvSpPr>
                 <p:cNvPr id="13" name="원통형 12">
@@ -5386,8 +5386,8 @@
             </p:sp>
           </mc:Fallback>
         </mc:AlternateContent>
-        <mc:AlternateContent xmlns:mc="http://schemas.openxmlformats.org/markup-compatibility/2006">
-          <mc:Choice xmlns:a14="http://schemas.microsoft.com/office/drawing/2010/main" Requires="a14">
+        <mc:AlternateContent xmlns:mc="http://schemas.openxmlformats.org/markup-compatibility/2006" xmlns:a14="http://schemas.microsoft.com/office/drawing/2010/main">
+          <mc:Choice Requires="a14">
             <p:sp>
               <p:nvSpPr>
                 <p:cNvPr id="16" name="원통형 15">
@@ -5514,7 +5514,7 @@
               </p:txBody>
             </p:sp>
           </mc:Choice>
-          <mc:Fallback>
+          <mc:Fallback xmlns="">
             <p:sp>
               <p:nvSpPr>
                 <p:cNvPr id="16" name="원통형 15">
@@ -5763,7 +5763,7 @@
                   <a:schemeClr val="tx1"/>
                 </a:solidFill>
               </a:rPr>
-              <a:t>SC1 Original Data</a:t>
+              <a:t>CS1 Original Data</a:t>
             </a:r>
             <a:endParaRPr lang="ko-KR" altLang="en-US" dirty="0">
               <a:solidFill>
@@ -5839,7 +5839,7 @@
                   <a:schemeClr val="tx1"/>
                 </a:solidFill>
               </a:rPr>
-              <a:t> SC1 Original Data</a:t>
+              <a:t> CS1 Original Data</a:t>
             </a:r>
             <a:endParaRPr lang="ko-KR" altLang="en-US" dirty="0">
               <a:solidFill>
@@ -5915,7 +5915,7 @@
                   <a:schemeClr val="tx1"/>
                 </a:solidFill>
               </a:rPr>
-              <a:t> SC1 Original Data</a:t>
+              <a:t> CS1 Original Data</a:t>
             </a:r>
             <a:endParaRPr lang="ko-KR" altLang="en-US" dirty="0">
               <a:solidFill>
@@ -6107,7 +6107,7 @@
                   <a:schemeClr val="tx1"/>
                 </a:solidFill>
               </a:rPr>
-              <a:t>SC2 Original Data</a:t>
+              <a:t>CS2 Original Data</a:t>
             </a:r>
             <a:endParaRPr lang="ko-KR" altLang="en-US" dirty="0">
               <a:solidFill>
@@ -6117,8 +6117,8 @@
           </a:p>
         </p:txBody>
       </p:sp>
-      <mc:AlternateContent xmlns:mc="http://schemas.openxmlformats.org/markup-compatibility/2006">
-        <mc:Choice xmlns:a14="http://schemas.microsoft.com/office/drawing/2010/main" Requires="a14">
+      <mc:AlternateContent xmlns:mc="http://schemas.openxmlformats.org/markup-compatibility/2006" xmlns:a14="http://schemas.microsoft.com/office/drawing/2010/main">
+        <mc:Choice Requires="a14">
           <p:sp>
             <p:nvSpPr>
               <p:cNvPr id="64" name="TextBox 63">
@@ -6186,7 +6186,7 @@
             </p:txBody>
           </p:sp>
         </mc:Choice>
-        <mc:Fallback>
+        <mc:Fallback xmlns="">
           <p:sp>
             <p:nvSpPr>
               <p:cNvPr id="64" name="TextBox 63">
@@ -6231,8 +6231,8 @@
           </p:sp>
         </mc:Fallback>
       </mc:AlternateContent>
-      <mc:AlternateContent xmlns:mc="http://schemas.openxmlformats.org/markup-compatibility/2006">
-        <mc:Choice xmlns:a14="http://schemas.microsoft.com/office/drawing/2010/main" Requires="a14">
+      <mc:AlternateContent xmlns:mc="http://schemas.openxmlformats.org/markup-compatibility/2006" xmlns:a14="http://schemas.microsoft.com/office/drawing/2010/main">
+        <mc:Choice Requires="a14">
           <p:sp>
             <p:nvSpPr>
               <p:cNvPr id="65" name="TextBox 64">
@@ -6349,7 +6349,7 @@
             </p:txBody>
           </p:sp>
         </mc:Choice>
-        <mc:Fallback>
+        <mc:Fallback xmlns="">
           <p:sp>
             <p:nvSpPr>
               <p:cNvPr id="65" name="TextBox 64">
@@ -6545,8 +6545,8 @@
           </a:p>
         </p:txBody>
       </p:sp>
-      <mc:AlternateContent xmlns:mc="http://schemas.openxmlformats.org/markup-compatibility/2006">
-        <mc:Choice xmlns:a14="http://schemas.microsoft.com/office/drawing/2010/main" Requires="a14">
+      <mc:AlternateContent xmlns:mc="http://schemas.openxmlformats.org/markup-compatibility/2006" xmlns:a14="http://schemas.microsoft.com/office/drawing/2010/main">
+        <mc:Choice Requires="a14">
           <p:sp>
             <p:nvSpPr>
               <p:cNvPr id="81" name="원통형 80">
@@ -6629,7 +6629,7 @@
             </p:txBody>
           </p:sp>
         </mc:Choice>
-        <mc:Fallback>
+        <mc:Fallback xmlns="">
           <p:sp>
             <p:nvSpPr>
               <p:cNvPr id="81" name="원통형 80">
@@ -6870,8 +6870,8 @@
             </a:p>
           </p:txBody>
         </p:sp>
-        <mc:AlternateContent xmlns:mc="http://schemas.openxmlformats.org/markup-compatibility/2006">
-          <mc:Choice xmlns:a14="http://schemas.microsoft.com/office/drawing/2010/main" Requires="a14">
+        <mc:AlternateContent xmlns:mc="http://schemas.openxmlformats.org/markup-compatibility/2006" xmlns:a14="http://schemas.microsoft.com/office/drawing/2010/main">
+          <mc:Choice Requires="a14">
             <p:sp>
               <p:nvSpPr>
                 <p:cNvPr id="132" name="원통형 131">
@@ -6998,7 +6998,7 @@
               </p:txBody>
             </p:sp>
           </mc:Choice>
-          <mc:Fallback>
+          <mc:Fallback xmlns="">
             <p:sp>
               <p:nvSpPr>
                 <p:cNvPr id="132" name="원통형 131">
@@ -7048,8 +7048,8 @@
             </p:sp>
           </mc:Fallback>
         </mc:AlternateContent>
-        <mc:AlternateContent xmlns:mc="http://schemas.openxmlformats.org/markup-compatibility/2006">
-          <mc:Choice xmlns:a14="http://schemas.microsoft.com/office/drawing/2010/main" Requires="a14">
+        <mc:AlternateContent xmlns:mc="http://schemas.openxmlformats.org/markup-compatibility/2006" xmlns:a14="http://schemas.microsoft.com/office/drawing/2010/main">
+          <mc:Choice Requires="a14">
             <p:sp>
               <p:nvSpPr>
                 <p:cNvPr id="133" name="원통형 132">
@@ -7176,7 +7176,7 @@
               </p:txBody>
             </p:sp>
           </mc:Choice>
-          <mc:Fallback>
+          <mc:Fallback xmlns="">
             <p:sp>
               <p:nvSpPr>
                 <p:cNvPr id="133" name="원통형 132">
@@ -7226,8 +7226,8 @@
             </p:sp>
           </mc:Fallback>
         </mc:AlternateContent>
-        <mc:AlternateContent xmlns:mc="http://schemas.openxmlformats.org/markup-compatibility/2006">
-          <mc:Choice xmlns:a14="http://schemas.microsoft.com/office/drawing/2010/main" Requires="a14">
+        <mc:AlternateContent xmlns:mc="http://schemas.openxmlformats.org/markup-compatibility/2006" xmlns:a14="http://schemas.microsoft.com/office/drawing/2010/main">
+          <mc:Choice Requires="a14">
             <p:sp>
               <p:nvSpPr>
                 <p:cNvPr id="134" name="원통형 133">
@@ -7354,7 +7354,7 @@
               </p:txBody>
             </p:sp>
           </mc:Choice>
-          <mc:Fallback>
+          <mc:Fallback xmlns="">
             <p:sp>
               <p:nvSpPr>
                 <p:cNvPr id="134" name="원통형 133">
@@ -7891,7 +7891,7 @@
             <a:pPr algn="ctr"/>
             <a:r>
               <a:rPr lang="en-US" altLang="ko-KR" dirty="0"/>
-              <a:t>SC2</a:t>
+              <a:t>CS2</a:t>
             </a:r>
           </a:p>
         </p:txBody>
@@ -7927,7 +7927,7 @@
             <a:pPr algn="ctr"/>
             <a:r>
               <a:rPr lang="en-US" altLang="ko-KR" dirty="0"/>
-              <a:t>SC1</a:t>
+              <a:t>CS1</a:t>
             </a:r>
           </a:p>
         </p:txBody>
